--- a/Præsentation/Fremlæggelse.pptx
+++ b/Præsentation/Fremlæggelse.pptx
@@ -8,7 +8,7 @@
     <p:sldId id="256" r:id="rId2"/>
     <p:sldId id="257" r:id="rId3"/>
     <p:sldId id="258" r:id="rId4"/>
-    <p:sldId id="259" r:id="rId5"/>
+    <p:sldId id="266" r:id="rId5"/>
     <p:sldId id="260" r:id="rId6"/>
     <p:sldId id="261" r:id="rId7"/>
     <p:sldId id="262" r:id="rId8"/>
@@ -319,7 +319,7 @@
           <a:p>
             <a:fld id="{6AD6EE87-EBD5-4F12-A48A-63ACA297AC8F}" type="datetimeFigureOut">
               <a:rPr lang="en-US" smtClean="0"/>
-              <a:t>5/27/2016</a:t>
+              <a:t>6/1/2016</a:t>
             </a:fld>
             <a:endParaRPr lang="en-US" dirty="0"/>
           </a:p>
@@ -509,7 +509,7 @@
           <a:p>
             <a:fld id="{4CD73815-2707-4475-8F1A-B873CB631BB4}" type="datetimeFigureOut">
               <a:rPr lang="en-US" smtClean="0"/>
-              <a:t>5/27/2016</a:t>
+              <a:t>6/1/2016</a:t>
             </a:fld>
             <a:endParaRPr lang="en-US" dirty="0"/>
           </a:p>
@@ -689,7 +689,7 @@
           <a:p>
             <a:fld id="{2A4AFB99-0EAB-4182-AFF8-E214C82A68F6}" type="datetimeFigureOut">
               <a:rPr lang="en-US" smtClean="0"/>
-              <a:t>5/27/2016</a:t>
+              <a:t>6/1/2016</a:t>
             </a:fld>
             <a:endParaRPr lang="en-US" dirty="0"/>
           </a:p>
@@ -859,7 +859,7 @@
           <a:p>
             <a:fld id="{A5D3794B-289A-4A80-97D7-111025398D45}" type="datetimeFigureOut">
               <a:rPr lang="en-US" smtClean="0"/>
-              <a:t>5/27/2016</a:t>
+              <a:t>6/1/2016</a:t>
             </a:fld>
             <a:endParaRPr lang="en-US" dirty="0"/>
           </a:p>
@@ -1115,7 +1115,7 @@
           <a:p>
             <a:fld id="{5A61015F-7CC6-4D0A-9D87-873EA4C304CC}" type="datetimeFigureOut">
               <a:rPr lang="en-US" smtClean="0"/>
-              <a:t>5/27/2016</a:t>
+              <a:t>6/1/2016</a:t>
             </a:fld>
             <a:endParaRPr lang="en-US" dirty="0"/>
           </a:p>
@@ -1403,7 +1403,7 @@
           <a:p>
             <a:fld id="{93C6A301-0538-44EC-B09D-202E1042A48B}" type="datetimeFigureOut">
               <a:rPr lang="en-US" smtClean="0"/>
-              <a:t>5/27/2016</a:t>
+              <a:t>6/1/2016</a:t>
             </a:fld>
             <a:endParaRPr lang="en-US" dirty="0"/>
           </a:p>
@@ -1841,7 +1841,7 @@
           <a:p>
             <a:fld id="{D789574A-8875-45EF-8EA2-3CAA0F7ABC4C}" type="datetimeFigureOut">
               <a:rPr lang="en-US" smtClean="0"/>
-              <a:t>5/27/2016</a:t>
+              <a:t>6/1/2016</a:t>
             </a:fld>
             <a:endParaRPr lang="en-US" dirty="0"/>
           </a:p>
@@ -1959,7 +1959,7 @@
           <a:p>
             <a:fld id="{67EF4D4C-5367-4C26-9E2B-D8088D7FCA81}" type="datetimeFigureOut">
               <a:rPr lang="en-US" smtClean="0"/>
-              <a:t>5/27/2016</a:t>
+              <a:t>6/1/2016</a:t>
             </a:fld>
             <a:endParaRPr lang="en-US" dirty="0"/>
           </a:p>
@@ -2054,7 +2054,7 @@
           <a:p>
             <a:fld id="{56E91E96-98B0-4413-9547-46F3504108EF}" type="datetimeFigureOut">
               <a:rPr lang="en-US" smtClean="0"/>
-              <a:t>5/27/2016</a:t>
+              <a:t>6/1/2016</a:t>
             </a:fld>
             <a:endParaRPr lang="en-US" dirty="0"/>
           </a:p>
@@ -2410,7 +2410,7 @@
           <a:p>
             <a:fld id="{05C68B11-C5A8-448C-8CE9-B1A273C79CFC}" type="datetimeFigureOut">
               <a:rPr lang="en-US" smtClean="0"/>
-              <a:t>5/27/2016</a:t>
+              <a:t>6/1/2016</a:t>
             </a:fld>
             <a:endParaRPr lang="en-US" dirty="0"/>
           </a:p>
@@ -2726,7 +2726,7 @@
           <a:p>
             <a:fld id="{C7616CA0-919D-4A49-9C8A-62FDFB3A5183}" type="datetimeFigureOut">
               <a:rPr lang="en-US" smtClean="0"/>
-              <a:t>5/27/2016</a:t>
+              <a:t>6/1/2016</a:t>
             </a:fld>
             <a:endParaRPr lang="en-US" dirty="0"/>
           </a:p>
@@ -2960,7 +2960,7 @@
             <a:fld id="{90298CD5-6C1E-4009-B41F-6DF62E31D3BE}" type="datetimeFigureOut">
               <a:rPr lang="en-US" smtClean="0"/>
               <a:pPr/>
-              <a:t>5/27/2016</a:t>
+              <a:t>6/1/2016</a:t>
             </a:fld>
             <a:endParaRPr lang="en-US" dirty="0"/>
           </a:p>
@@ -3453,7 +3453,6 @@
               <a:rPr lang="da-DK" dirty="0" smtClean="0"/>
               <a:t>E3PRJ3, gruppe 3</a:t>
             </a:r>
-            <a:endParaRPr lang="da-DK" dirty="0" smtClean="0"/>
           </a:p>
           <a:p>
             <a:r>
@@ -3464,11 +3463,7 @@
           <a:p>
             <a:r>
               <a:rPr lang="da-DK" dirty="0" smtClean="0"/>
-              <a:t>22</a:t>
-            </a:r>
-            <a:r>
-              <a:rPr lang="da-DK" dirty="0" smtClean="0"/>
-              <a:t>-06-2016</a:t>
+              <a:t>22-06-2016</a:t>
             </a:r>
             <a:endParaRPr lang="da-DK" dirty="0"/>
           </a:p>
@@ -3690,33 +3685,285 @@
           </a:p>
         </p:txBody>
       </p:sp>
-      <p:sp>
-        <p:nvSpPr>
-          <p:cNvPr id="6" name="Pladsholder til tekst 5"/>
-          <p:cNvSpPr>
-            <a:spLocks noGrp="1"/>
-          </p:cNvSpPr>
-          <p:nvPr>
-            <p:ph type="body" sz="half" idx="2"/>
-          </p:nvPr>
-        </p:nvSpPr>
-        <p:spPr/>
-        <p:txBody>
-          <a:bodyPr/>
-          <a:lstStyle/>
-          <a:p>
-            <a:r>
-              <a:rPr lang="da-DK" dirty="0" smtClean="0"/>
-              <a:t>Tennas slide</a:t>
-            </a:r>
-            <a:endParaRPr lang="da-DK" dirty="0"/>
-          </a:p>
-        </p:txBody>
-      </p:sp>
+      <p:pic>
+        <p:nvPicPr>
+          <p:cNvPr id="9" name="Picture 4"/>
+          <p:cNvPicPr>
+            <a:picLocks noChangeAspect="1"/>
+          </p:cNvPicPr>
+          <p:nvPr/>
+        </p:nvPicPr>
+        <p:blipFill>
+          <a:blip r:embed="rId2"/>
+          <a:stretch>
+            <a:fillRect/>
+          </a:stretch>
+        </p:blipFill>
+        <p:spPr>
+          <a:xfrm>
+            <a:off x="248661" y="3106300"/>
+            <a:ext cx="2302210" cy="2096763"/>
+          </a:xfrm>
+          <a:prstGeom prst="rect">
+            <a:avLst/>
+          </a:prstGeom>
+          <a:ln>
+            <a:noFill/>
+          </a:ln>
+          <a:effectLst>
+            <a:outerShdw blurRad="50800" dist="38100" algn="l" rotWithShape="0">
+              <a:prstClr val="black">
+                <a:alpha val="40000"/>
+              </a:prstClr>
+            </a:outerShdw>
+          </a:effectLst>
+        </p:spPr>
+      </p:pic>
+      <p:pic>
+        <p:nvPicPr>
+          <p:cNvPr id="1026" name="Picture 2" descr="https://cdn1.iconfinder.com/data/icons/agile/500/agile_standup_meeting-512.png"/>
+          <p:cNvPicPr>
+            <a:picLocks noChangeAspect="1" noChangeArrowheads="1"/>
+          </p:cNvPicPr>
+          <p:nvPr/>
+        </p:nvPicPr>
+        <p:blipFill>
+          <a:blip r:embed="rId3">
+            <a:extLst>
+              <a:ext uri="{28A0092B-C50C-407E-A947-70E740481C1C}">
+                <a14:useLocalDpi xmlns:a14="http://schemas.microsoft.com/office/drawing/2010/main" val="0"/>
+              </a:ext>
+            </a:extLst>
+          </a:blip>
+          <a:srcRect/>
+          <a:stretch>
+            <a:fillRect/>
+          </a:stretch>
+        </p:blipFill>
+        <p:spPr bwMode="auto">
+          <a:xfrm>
+            <a:off x="2719746" y="4200818"/>
+            <a:ext cx="2032560" cy="2032560"/>
+          </a:xfrm>
+          <a:prstGeom prst="rect">
+            <a:avLst/>
+          </a:prstGeom>
+          <a:ln>
+            <a:noFill/>
+          </a:ln>
+          <a:effectLst>
+            <a:outerShdw blurRad="292100" dist="139700" dir="2700000" algn="tl" rotWithShape="0">
+              <a:srgbClr val="333333">
+                <a:alpha val="65000"/>
+              </a:srgbClr>
+            </a:outerShdw>
+          </a:effectLst>
+          <a:extLst>
+            <a:ext uri="{909E8E84-426E-40DD-AFC4-6F175D3DCCD1}">
+              <a14:hiddenFill xmlns:a14="http://schemas.microsoft.com/office/drawing/2010/main">
+                <a:solidFill>
+                  <a:srgbClr val="FFFFFF"/>
+                </a:solidFill>
+              </a14:hiddenFill>
+            </a:ext>
+          </a:extLst>
+        </p:spPr>
+      </p:pic>
+      <p:pic>
+        <p:nvPicPr>
+          <p:cNvPr id="13" name="Billede 12"/>
+          <p:cNvPicPr>
+            <a:picLocks noChangeAspect="1"/>
+          </p:cNvPicPr>
+          <p:nvPr/>
+        </p:nvPicPr>
+        <p:blipFill rotWithShape="1">
+          <a:blip r:embed="rId4">
+            <a:extLst>
+              <a:ext uri="{28A0092B-C50C-407E-A947-70E740481C1C}">
+                <a14:useLocalDpi xmlns:a14="http://schemas.microsoft.com/office/drawing/2010/main" val="0"/>
+              </a:ext>
+            </a:extLst>
+          </a:blip>
+          <a:srcRect r="9507" b="10398"/>
+          <a:stretch/>
+        </p:blipFill>
+        <p:spPr>
+          <a:xfrm>
+            <a:off x="6473783" y="296884"/>
+            <a:ext cx="5369598" cy="3541019"/>
+          </a:xfrm>
+          <a:prstGeom prst="rect">
+            <a:avLst/>
+          </a:prstGeom>
+          <a:ln>
+            <a:noFill/>
+          </a:ln>
+          <a:effectLst>
+            <a:outerShdw blurRad="292100" dist="139700" dir="2700000" algn="tl" rotWithShape="0">
+              <a:srgbClr val="333333">
+                <a:alpha val="65000"/>
+              </a:srgbClr>
+            </a:outerShdw>
+          </a:effectLst>
+        </p:spPr>
+      </p:pic>
+      <p:pic>
+        <p:nvPicPr>
+          <p:cNvPr id="14" name="Billede 13"/>
+          <p:cNvPicPr>
+            <a:picLocks noChangeAspect="1"/>
+          </p:cNvPicPr>
+          <p:nvPr/>
+        </p:nvPicPr>
+        <p:blipFill>
+          <a:blip r:embed="rId5"/>
+          <a:stretch>
+            <a:fillRect/>
+          </a:stretch>
+        </p:blipFill>
+        <p:spPr>
+          <a:xfrm>
+            <a:off x="242754" y="296215"/>
+            <a:ext cx="4110306" cy="2496991"/>
+          </a:xfrm>
+          <a:prstGeom prst="rect">
+            <a:avLst/>
+          </a:prstGeom>
+          <a:ln>
+            <a:noFill/>
+          </a:ln>
+          <a:effectLst>
+            <a:outerShdw blurRad="292100" dist="139700" dir="2700000" algn="tl" rotWithShape="0">
+              <a:srgbClr val="333333">
+                <a:alpha val="65000"/>
+              </a:srgbClr>
+            </a:outerShdw>
+          </a:effectLst>
+        </p:spPr>
+      </p:pic>
+      <p:pic>
+        <p:nvPicPr>
+          <p:cNvPr id="16" name="Picture 3"/>
+          <p:cNvPicPr>
+            <a:picLocks noChangeAspect="1"/>
+          </p:cNvPicPr>
+          <p:nvPr/>
+        </p:nvPicPr>
+        <p:blipFill>
+          <a:blip r:embed="rId6"/>
+          <a:stretch>
+            <a:fillRect/>
+          </a:stretch>
+        </p:blipFill>
+        <p:spPr>
+          <a:xfrm>
+            <a:off x="4920348" y="3126023"/>
+            <a:ext cx="2468415" cy="2605074"/>
+          </a:xfrm>
+          <a:prstGeom prst="rect">
+            <a:avLst/>
+          </a:prstGeom>
+          <a:ln>
+            <a:noFill/>
+          </a:ln>
+          <a:effectLst>
+            <a:outerShdw blurRad="292100" dist="139700" dir="2700000" algn="tl" rotWithShape="0">
+              <a:srgbClr val="333333">
+                <a:alpha val="65000"/>
+              </a:srgbClr>
+            </a:outerShdw>
+          </a:effectLst>
+        </p:spPr>
+      </p:pic>
+      <p:pic>
+        <p:nvPicPr>
+          <p:cNvPr id="15" name="Billede 14"/>
+          <p:cNvPicPr>
+            <a:picLocks noChangeAspect="1"/>
+          </p:cNvPicPr>
+          <p:nvPr/>
+        </p:nvPicPr>
+        <p:blipFill>
+          <a:blip r:embed="rId7"/>
+          <a:stretch>
+            <a:fillRect/>
+          </a:stretch>
+        </p:blipFill>
+        <p:spPr>
+          <a:xfrm>
+            <a:off x="7688687" y="4094744"/>
+            <a:ext cx="4157528" cy="2468276"/>
+          </a:xfrm>
+          <a:prstGeom prst="rect">
+            <a:avLst/>
+          </a:prstGeom>
+          <a:ln>
+            <a:noFill/>
+          </a:ln>
+          <a:effectLst>
+            <a:outerShdw blurRad="292100" dist="139700" dir="2700000" algn="tl" rotWithShape="0">
+              <a:srgbClr val="333333">
+                <a:alpha val="65000"/>
+              </a:srgbClr>
+            </a:outerShdw>
+          </a:effectLst>
+        </p:spPr>
+      </p:pic>
+      <p:pic>
+        <p:nvPicPr>
+          <p:cNvPr id="1030" name="Picture 6" descr="https://media.licdn.com/mpr/mpr/shrink_200_200/AAEAAQAAAAAAAAaiAAAAJGY4NGRmMDhmLTBkNWMtNDE5ZC1iNTljLWNiOWVlOWNjOWVmNA.png"/>
+          <p:cNvPicPr>
+            <a:picLocks noChangeAspect="1" noChangeArrowheads="1"/>
+          </p:cNvPicPr>
+          <p:nvPr/>
+        </p:nvPicPr>
+        <p:blipFill>
+          <a:blip r:embed="rId8">
+            <a:extLst>
+              <a:ext uri="{28A0092B-C50C-407E-A947-70E740481C1C}">
+                <a14:useLocalDpi xmlns:a14="http://schemas.microsoft.com/office/drawing/2010/main" val="0"/>
+              </a:ext>
+            </a:extLst>
+          </a:blip>
+          <a:srcRect/>
+          <a:stretch>
+            <a:fillRect/>
+          </a:stretch>
+        </p:blipFill>
+        <p:spPr bwMode="auto">
+          <a:xfrm>
+            <a:off x="5204094" y="450761"/>
+            <a:ext cx="1622738" cy="1622738"/>
+          </a:xfrm>
+          <a:prstGeom prst="rect">
+            <a:avLst/>
+          </a:prstGeom>
+          <a:ln>
+            <a:noFill/>
+          </a:ln>
+          <a:effectLst>
+            <a:outerShdw blurRad="292100" dist="139700" dir="2700000" algn="tl" rotWithShape="0">
+              <a:srgbClr val="333333">
+                <a:alpha val="65000"/>
+              </a:srgbClr>
+            </a:outerShdw>
+          </a:effectLst>
+          <a:extLst>
+            <a:ext uri="{909E8E84-426E-40DD-AFC4-6F175D3DCCD1}">
+              <a14:hiddenFill xmlns:a14="http://schemas.microsoft.com/office/drawing/2010/main">
+                <a:solidFill>
+                  <a:srgbClr val="FFFFFF"/>
+                </a:solidFill>
+              </a14:hiddenFill>
+            </a:ext>
+          </a:extLst>
+        </p:spPr>
+      </p:pic>
     </p:spTree>
     <p:extLst>
       <p:ext uri="{BB962C8B-B14F-4D97-AF65-F5344CB8AC3E}">
-        <p14:creationId xmlns:p14="http://schemas.microsoft.com/office/powerpoint/2010/main" val="430674989"/>
+        <p14:creationId xmlns:p14="http://schemas.microsoft.com/office/powerpoint/2010/main" val="342076141"/>
       </p:ext>
     </p:extLst>
   </p:cSld>

--- a/Præsentation/Fremlæggelse.pptx
+++ b/Præsentation/Fremlæggelse.pptx
@@ -3642,6 +3642,13 @@
   <p:clrMapOvr>
     <a:masterClrMapping/>
   </p:clrMapOvr>
+  <p:timing>
+    <p:tnLst>
+      <p:par>
+        <p:cTn id="1" dur="indefinite" restart="never" nodeType="tmRoot"/>
+      </p:par>
+    </p:tnLst>
+  </p:timing>
 </p:sld>
 </file>
 
@@ -3742,7 +3749,7 @@
         </p:blipFill>
         <p:spPr bwMode="auto">
           <a:xfrm>
-            <a:off x="2719746" y="4200818"/>
+            <a:off x="2745505" y="4638704"/>
             <a:ext cx="2032560" cy="2032560"/>
           </a:xfrm>
           <a:prstGeom prst="rect">
@@ -3785,13 +3792,13 @@
               </a:ext>
             </a:extLst>
           </a:blip>
-          <a:srcRect r="9507" b="10398"/>
+          <a:srcRect r="2475" b="19849"/>
           <a:stretch/>
         </p:blipFill>
         <p:spPr>
           <a:xfrm>
-            <a:off x="6473783" y="296884"/>
-            <a:ext cx="5369598" cy="3541019"/>
+            <a:off x="5563673" y="348399"/>
+            <a:ext cx="6272011" cy="3433062"/>
           </a:xfrm>
           <a:prstGeom prst="rect">
             <a:avLst/>
@@ -3858,8 +3865,8 @@
         </p:blipFill>
         <p:spPr>
           <a:xfrm>
-            <a:off x="4920348" y="3126023"/>
-            <a:ext cx="2468415" cy="2605074"/>
+            <a:off x="5060717" y="4108360"/>
+            <a:ext cx="2343027" cy="2472744"/>
           </a:xfrm>
           <a:prstGeom prst="rect">
             <a:avLst/>
@@ -3933,8 +3940,8 @@
         </p:blipFill>
         <p:spPr bwMode="auto">
           <a:xfrm>
-            <a:off x="5204094" y="450761"/>
-            <a:ext cx="1622738" cy="1622738"/>
+            <a:off x="4740451" y="643944"/>
+            <a:ext cx="1275009" cy="1275009"/>
           </a:xfrm>
           <a:prstGeom prst="rect">
             <a:avLst/>
@@ -3960,6 +3967,71 @@
           </a:extLst>
         </p:spPr>
       </p:pic>
+      <p:sp>
+        <p:nvSpPr>
+          <p:cNvPr id="21" name="Pladsholder til tekst 5"/>
+          <p:cNvSpPr>
+            <a:spLocks noGrp="1"/>
+          </p:cNvSpPr>
+          <p:nvPr>
+            <p:ph type="body" sz="half" idx="2"/>
+          </p:nvPr>
+        </p:nvSpPr>
+        <p:spPr>
+          <a:xfrm>
+            <a:off x="2685760" y="3115018"/>
+            <a:ext cx="2723367" cy="1482740"/>
+          </a:xfrm>
+        </p:spPr>
+        <p:txBody>
+          <a:bodyPr>
+            <a:normAutofit/>
+          </a:bodyPr>
+          <a:lstStyle/>
+          <a:p>
+            <a:r>
+              <a:rPr lang="da-DK" dirty="0" err="1" smtClean="0"/>
+              <a:t>Scrummaster</a:t>
+            </a:r>
+            <a:r>
+              <a:rPr lang="da-DK" dirty="0" smtClean="0"/>
+              <a:t>:</a:t>
+            </a:r>
+            <a:endParaRPr lang="da-DK" dirty="0"/>
+          </a:p>
+          <a:p>
+            <a:r>
+              <a:rPr lang="da-DK" dirty="0" smtClean="0"/>
+              <a:t>Sprint 1 – Kasper Rieder</a:t>
+            </a:r>
+            <a:r>
+              <a:rPr lang="da-DK" dirty="0"/>
+              <a:t/>
+            </a:r>
+            <a:br>
+              <a:rPr lang="da-DK" dirty="0"/>
+            </a:br>
+            <a:r>
+              <a:rPr lang="da-DK" dirty="0" smtClean="0"/>
+              <a:t>Sprint 2 – Pernille Kjeldgaard</a:t>
+            </a:r>
+            <a:br>
+              <a:rPr lang="da-DK" dirty="0" smtClean="0"/>
+            </a:br>
+            <a:r>
+              <a:rPr lang="da-DK" dirty="0" smtClean="0"/>
+              <a:t>Sprint 3 – Mia Konstmann</a:t>
+            </a:r>
+            <a:br>
+              <a:rPr lang="da-DK" dirty="0" smtClean="0"/>
+            </a:br>
+            <a:r>
+              <a:rPr lang="da-DK" dirty="0" smtClean="0"/>
+              <a:t>Sprint 4 – Tenna Rasmussen </a:t>
+            </a:r>
+          </a:p>
+        </p:txBody>
+      </p:sp>
     </p:spTree>
     <p:extLst>
       <p:ext uri="{BB962C8B-B14F-4D97-AF65-F5344CB8AC3E}">
@@ -3970,6 +4042,13 @@
   <p:clrMapOvr>
     <a:masterClrMapping/>
   </p:clrMapOvr>
+  <p:timing>
+    <p:tnLst>
+      <p:par>
+        <p:cTn id="1" dur="indefinite" restart="never" nodeType="tmRoot"/>
+      </p:par>
+    </p:tnLst>
+  </p:timing>
 </p:sld>
 </file>
 
@@ -4046,6 +4125,13 @@
   <p:clrMapOvr>
     <a:masterClrMapping/>
   </p:clrMapOvr>
+  <p:timing>
+    <p:tnLst>
+      <p:par>
+        <p:cTn id="1" dur="indefinite" restart="never" nodeType="tmRoot"/>
+      </p:par>
+    </p:tnLst>
+  </p:timing>
 </p:sld>
 </file>
 

--- a/Præsentation/Fremlæggelse.pptx
+++ b/Præsentation/Fremlæggelse.pptx
@@ -319,7 +319,7 @@
           <a:p>
             <a:fld id="{6AD6EE87-EBD5-4F12-A48A-63ACA297AC8F}" type="datetimeFigureOut">
               <a:rPr lang="en-US" smtClean="0"/>
-              <a:t>6/1/2016</a:t>
+              <a:t>6/20/2016</a:t>
             </a:fld>
             <a:endParaRPr lang="en-US" dirty="0"/>
           </a:p>
@@ -509,7 +509,7 @@
           <a:p>
             <a:fld id="{4CD73815-2707-4475-8F1A-B873CB631BB4}" type="datetimeFigureOut">
               <a:rPr lang="en-US" smtClean="0"/>
-              <a:t>6/1/2016</a:t>
+              <a:t>6/20/2016</a:t>
             </a:fld>
             <a:endParaRPr lang="en-US" dirty="0"/>
           </a:p>
@@ -689,7 +689,7 @@
           <a:p>
             <a:fld id="{2A4AFB99-0EAB-4182-AFF8-E214C82A68F6}" type="datetimeFigureOut">
               <a:rPr lang="en-US" smtClean="0"/>
-              <a:t>6/1/2016</a:t>
+              <a:t>6/20/2016</a:t>
             </a:fld>
             <a:endParaRPr lang="en-US" dirty="0"/>
           </a:p>
@@ -859,7 +859,7 @@
           <a:p>
             <a:fld id="{A5D3794B-289A-4A80-97D7-111025398D45}" type="datetimeFigureOut">
               <a:rPr lang="en-US" smtClean="0"/>
-              <a:t>6/1/2016</a:t>
+              <a:t>6/20/2016</a:t>
             </a:fld>
             <a:endParaRPr lang="en-US" dirty="0"/>
           </a:p>
@@ -1115,7 +1115,7 @@
           <a:p>
             <a:fld id="{5A61015F-7CC6-4D0A-9D87-873EA4C304CC}" type="datetimeFigureOut">
               <a:rPr lang="en-US" smtClean="0"/>
-              <a:t>6/1/2016</a:t>
+              <a:t>6/20/2016</a:t>
             </a:fld>
             <a:endParaRPr lang="en-US" dirty="0"/>
           </a:p>
@@ -1403,7 +1403,7 @@
           <a:p>
             <a:fld id="{93C6A301-0538-44EC-B09D-202E1042A48B}" type="datetimeFigureOut">
               <a:rPr lang="en-US" smtClean="0"/>
-              <a:t>6/1/2016</a:t>
+              <a:t>6/20/2016</a:t>
             </a:fld>
             <a:endParaRPr lang="en-US" dirty="0"/>
           </a:p>
@@ -1841,7 +1841,7 @@
           <a:p>
             <a:fld id="{D789574A-8875-45EF-8EA2-3CAA0F7ABC4C}" type="datetimeFigureOut">
               <a:rPr lang="en-US" smtClean="0"/>
-              <a:t>6/1/2016</a:t>
+              <a:t>6/20/2016</a:t>
             </a:fld>
             <a:endParaRPr lang="en-US" dirty="0"/>
           </a:p>
@@ -1959,7 +1959,7 @@
           <a:p>
             <a:fld id="{67EF4D4C-5367-4C26-9E2B-D8088D7FCA81}" type="datetimeFigureOut">
               <a:rPr lang="en-US" smtClean="0"/>
-              <a:t>6/1/2016</a:t>
+              <a:t>6/20/2016</a:t>
             </a:fld>
             <a:endParaRPr lang="en-US" dirty="0"/>
           </a:p>
@@ -2054,7 +2054,7 @@
           <a:p>
             <a:fld id="{56E91E96-98B0-4413-9547-46F3504108EF}" type="datetimeFigureOut">
               <a:rPr lang="en-US" smtClean="0"/>
-              <a:t>6/1/2016</a:t>
+              <a:t>6/20/2016</a:t>
             </a:fld>
             <a:endParaRPr lang="en-US" dirty="0"/>
           </a:p>
@@ -2410,7 +2410,7 @@
           <a:p>
             <a:fld id="{05C68B11-C5A8-448C-8CE9-B1A273C79CFC}" type="datetimeFigureOut">
               <a:rPr lang="en-US" smtClean="0"/>
-              <a:t>6/1/2016</a:t>
+              <a:t>6/20/2016</a:t>
             </a:fld>
             <a:endParaRPr lang="en-US" dirty="0"/>
           </a:p>
@@ -2726,7 +2726,7 @@
           <a:p>
             <a:fld id="{C7616CA0-919D-4A49-9C8A-62FDFB3A5183}" type="datetimeFigureOut">
               <a:rPr lang="en-US" smtClean="0"/>
-              <a:t>6/1/2016</a:t>
+              <a:t>6/20/2016</a:t>
             </a:fld>
             <a:endParaRPr lang="en-US" dirty="0"/>
           </a:p>
@@ -2960,7 +2960,7 @@
             <a:fld id="{90298CD5-6C1E-4009-B41F-6DF62E31D3BE}" type="datetimeFigureOut">
               <a:rPr lang="en-US" smtClean="0"/>
               <a:pPr/>
-              <a:t>6/1/2016</a:t>
+              <a:t>6/20/2016</a:t>
             </a:fld>
             <a:endParaRPr lang="en-US" dirty="0"/>
           </a:p>
@@ -3546,9 +3546,112 @@
           <a:p>
             <a:r>
               <a:rPr lang="da-DK" dirty="0" smtClean="0"/>
-              <a:t>Mikkels slide</a:t>
+              <a:t>Mikkels </a:t>
+            </a:r>
+            <a:r>
+              <a:rPr lang="da-DK" dirty="0" smtClean="0"/>
+              <a:t>slide </a:t>
             </a:r>
             <a:endParaRPr lang="da-DK" dirty="0"/>
+          </a:p>
+        </p:txBody>
+      </p:sp>
+      <p:sp>
+        <p:nvSpPr>
+          <p:cNvPr id="5" name="Tekstfelt 4"/>
+          <p:cNvSpPr txBox="1"/>
+          <p:nvPr/>
+        </p:nvSpPr>
+        <p:spPr>
+          <a:xfrm>
+            <a:off x="676656" y="1163003"/>
+            <a:ext cx="6886575" cy="2400657"/>
+          </a:xfrm>
+          <a:prstGeom prst="rect">
+            <a:avLst/>
+          </a:prstGeom>
+          <a:noFill/>
+        </p:spPr>
+        <p:txBody>
+          <a:bodyPr wrap="square" rtlCol="0">
+            <a:spAutoFit/>
+          </a:bodyPr>
+          <a:lstStyle/>
+          <a:p>
+            <a:pPr marL="285750" indent="-285750">
+              <a:lnSpc>
+                <a:spcPct val="250000"/>
+              </a:lnSpc>
+              <a:buFont typeface="Arial" panose="020B0604020202020204" pitchFamily="34" charset="0"/>
+              <a:buChar char="•"/>
+            </a:pPr>
+            <a:r>
+              <a:rPr lang="da-DK" sz="2000" dirty="0" smtClean="0">
+                <a:ln w="0"/>
+                <a:effectLst>
+                  <a:outerShdw blurRad="38100" dist="19050" dir="2700000" algn="tl" rotWithShape="0">
+                    <a:schemeClr val="dk1">
+                      <a:alpha val="40000"/>
+                    </a:schemeClr>
+                  </a:outerShdw>
+                </a:effectLst>
+              </a:rPr>
+              <a:t>Valg af projekt</a:t>
+            </a:r>
+          </a:p>
+          <a:p>
+            <a:pPr marL="285750" indent="-285750">
+              <a:lnSpc>
+                <a:spcPct val="250000"/>
+              </a:lnSpc>
+              <a:buFont typeface="Arial" panose="020B0604020202020204" pitchFamily="34" charset="0"/>
+              <a:buChar char="•"/>
+            </a:pPr>
+            <a:r>
+              <a:rPr lang="da-DK" sz="2000" dirty="0" smtClean="0">
+                <a:ln w="0"/>
+                <a:effectLst>
+                  <a:outerShdw blurRad="38100" dist="19050" dir="2700000" algn="tl" rotWithShape="0">
+                    <a:schemeClr val="dk1">
+                      <a:alpha val="40000"/>
+                    </a:schemeClr>
+                  </a:outerShdw>
+                </a:effectLst>
+              </a:rPr>
+              <a:t>Krav til projektet</a:t>
+            </a:r>
+          </a:p>
+          <a:p>
+            <a:pPr marL="285750" indent="-285750">
+              <a:lnSpc>
+                <a:spcPct val="250000"/>
+              </a:lnSpc>
+              <a:buFont typeface="Arial" panose="020B0604020202020204" pitchFamily="34" charset="0"/>
+              <a:buChar char="•"/>
+            </a:pPr>
+            <a:r>
+              <a:rPr lang="da-DK" sz="2000" dirty="0" smtClean="0">
+                <a:ln w="0"/>
+                <a:effectLst>
+                  <a:outerShdw blurRad="38100" dist="19050" dir="2700000" algn="tl" rotWithShape="0">
+                    <a:schemeClr val="dk1">
+                      <a:alpha val="40000"/>
+                    </a:schemeClr>
+                  </a:outerShdw>
+                </a:effectLst>
+              </a:rPr>
+              <a:t>Opdeling af arbejde </a:t>
+            </a:r>
+            <a:endParaRPr lang="da-DK" sz="2000" dirty="0">
+              <a:ln w="0"/>
+              <a:effectLst>
+                <a:outerShdw blurRad="38100" dist="19050" dir="2700000" algn="tl" rotWithShape="0">
+                  <a:schemeClr val="dk1">
+                    <a:alpha val="40000"/>
+                  </a:schemeClr>
+                </a:outerShdw>
+              </a:effectLst>
+            </a:endParaRPr>
           </a:p>
         </p:txBody>
       </p:sp>

--- a/Præsentation/Fremlæggelse.pptx
+++ b/Præsentation/Fremlæggelse.pptx
@@ -319,7 +319,7 @@
           <a:p>
             <a:fld id="{6AD6EE87-EBD5-4F12-A48A-63ACA297AC8F}" type="datetimeFigureOut">
               <a:rPr lang="en-US" smtClean="0"/>
-              <a:t>6/20/2016</a:t>
+              <a:t>6/21/2016</a:t>
             </a:fld>
             <a:endParaRPr lang="en-US" dirty="0"/>
           </a:p>
@@ -381,7 +381,7 @@
           <a:p>
             <a:fld id="{4FAB73BC-B049-4115-A692-8D63A059BFB8}" type="slidenum">
               <a:rPr lang="en-US" smtClean="0"/>
-              <a:t>‹nr.›</a:t>
+              <a:t>‹#›</a:t>
             </a:fld>
             <a:endParaRPr lang="en-US" dirty="0"/>
           </a:p>
@@ -509,7 +509,7 @@
           <a:p>
             <a:fld id="{4CD73815-2707-4475-8F1A-B873CB631BB4}" type="datetimeFigureOut">
               <a:rPr lang="en-US" smtClean="0"/>
-              <a:t>6/20/2016</a:t>
+              <a:t>6/21/2016</a:t>
             </a:fld>
             <a:endParaRPr lang="en-US" dirty="0"/>
           </a:p>
@@ -551,7 +551,7 @@
           <a:p>
             <a:fld id="{4FAB73BC-B049-4115-A692-8D63A059BFB8}" type="slidenum">
               <a:rPr lang="en-US" smtClean="0"/>
-              <a:t>‹nr.›</a:t>
+              <a:t>‹#›</a:t>
             </a:fld>
             <a:endParaRPr lang="en-US" dirty="0"/>
           </a:p>
@@ -689,7 +689,7 @@
           <a:p>
             <a:fld id="{2A4AFB99-0EAB-4182-AFF8-E214C82A68F6}" type="datetimeFigureOut">
               <a:rPr lang="en-US" smtClean="0"/>
-              <a:t>6/20/2016</a:t>
+              <a:t>6/21/2016</a:t>
             </a:fld>
             <a:endParaRPr lang="en-US" dirty="0"/>
           </a:p>
@@ -731,7 +731,7 @@
           <a:p>
             <a:fld id="{4FAB73BC-B049-4115-A692-8D63A059BFB8}" type="slidenum">
               <a:rPr lang="en-US" smtClean="0"/>
-              <a:t>‹nr.›</a:t>
+              <a:t>‹#›</a:t>
             </a:fld>
             <a:endParaRPr lang="en-US" dirty="0"/>
           </a:p>
@@ -859,7 +859,7 @@
           <a:p>
             <a:fld id="{A5D3794B-289A-4A80-97D7-111025398D45}" type="datetimeFigureOut">
               <a:rPr lang="en-US" smtClean="0"/>
-              <a:t>6/20/2016</a:t>
+              <a:t>6/21/2016</a:t>
             </a:fld>
             <a:endParaRPr lang="en-US" dirty="0"/>
           </a:p>
@@ -901,7 +901,7 @@
           <a:p>
             <a:fld id="{4FAB73BC-B049-4115-A692-8D63A059BFB8}" type="slidenum">
               <a:rPr lang="en-US" smtClean="0"/>
-              <a:t>‹nr.›</a:t>
+              <a:t>‹#›</a:t>
             </a:fld>
             <a:endParaRPr lang="en-US" dirty="0"/>
           </a:p>
@@ -1115,7 +1115,7 @@
           <a:p>
             <a:fld id="{5A61015F-7CC6-4D0A-9D87-873EA4C304CC}" type="datetimeFigureOut">
               <a:rPr lang="en-US" smtClean="0"/>
-              <a:t>6/20/2016</a:t>
+              <a:t>6/21/2016</a:t>
             </a:fld>
             <a:endParaRPr lang="en-US" dirty="0"/>
           </a:p>
@@ -1157,7 +1157,7 @@
           <a:p>
             <a:fld id="{4FAB73BC-B049-4115-A692-8D63A059BFB8}" type="slidenum">
               <a:rPr lang="en-US" smtClean="0"/>
-              <a:t>‹nr.›</a:t>
+              <a:t>‹#›</a:t>
             </a:fld>
             <a:endParaRPr lang="en-US" dirty="0"/>
           </a:p>
@@ -1403,7 +1403,7 @@
           <a:p>
             <a:fld id="{93C6A301-0538-44EC-B09D-202E1042A48B}" type="datetimeFigureOut">
               <a:rPr lang="en-US" smtClean="0"/>
-              <a:t>6/20/2016</a:t>
+              <a:t>6/21/2016</a:t>
             </a:fld>
             <a:endParaRPr lang="en-US" dirty="0"/>
           </a:p>
@@ -1445,7 +1445,7 @@
           <a:p>
             <a:fld id="{4FAB73BC-B049-4115-A692-8D63A059BFB8}" type="slidenum">
               <a:rPr lang="en-US" smtClean="0"/>
-              <a:t>‹nr.›</a:t>
+              <a:t>‹#›</a:t>
             </a:fld>
             <a:endParaRPr lang="en-US" dirty="0"/>
           </a:p>
@@ -1841,7 +1841,7 @@
           <a:p>
             <a:fld id="{D789574A-8875-45EF-8EA2-3CAA0F7ABC4C}" type="datetimeFigureOut">
               <a:rPr lang="en-US" smtClean="0"/>
-              <a:t>6/20/2016</a:t>
+              <a:t>6/21/2016</a:t>
             </a:fld>
             <a:endParaRPr lang="en-US" dirty="0"/>
           </a:p>
@@ -1883,7 +1883,7 @@
           <a:p>
             <a:fld id="{4FAB73BC-B049-4115-A692-8D63A059BFB8}" type="slidenum">
               <a:rPr lang="en-US" smtClean="0"/>
-              <a:t>‹nr.›</a:t>
+              <a:t>‹#›</a:t>
             </a:fld>
             <a:endParaRPr lang="en-US" dirty="0"/>
           </a:p>
@@ -1959,7 +1959,7 @@
           <a:p>
             <a:fld id="{67EF4D4C-5367-4C26-9E2B-D8088D7FCA81}" type="datetimeFigureOut">
               <a:rPr lang="en-US" smtClean="0"/>
-              <a:t>6/20/2016</a:t>
+              <a:t>6/21/2016</a:t>
             </a:fld>
             <a:endParaRPr lang="en-US" dirty="0"/>
           </a:p>
@@ -2001,7 +2001,7 @@
           <a:p>
             <a:fld id="{4FAB73BC-B049-4115-A692-8D63A059BFB8}" type="slidenum">
               <a:rPr lang="en-US" smtClean="0"/>
-              <a:t>‹nr.›</a:t>
+              <a:t>‹#›</a:t>
             </a:fld>
             <a:endParaRPr lang="en-US" dirty="0"/>
           </a:p>
@@ -2054,7 +2054,7 @@
           <a:p>
             <a:fld id="{56E91E96-98B0-4413-9547-46F3504108EF}" type="datetimeFigureOut">
               <a:rPr lang="en-US" smtClean="0"/>
-              <a:t>6/20/2016</a:t>
+              <a:t>6/21/2016</a:t>
             </a:fld>
             <a:endParaRPr lang="en-US" dirty="0"/>
           </a:p>
@@ -2096,7 +2096,7 @@
           <a:p>
             <a:fld id="{4FAB73BC-B049-4115-A692-8D63A059BFB8}" type="slidenum">
               <a:rPr lang="en-US" smtClean="0"/>
-              <a:t>‹nr.›</a:t>
+              <a:t>‹#›</a:t>
             </a:fld>
             <a:endParaRPr lang="en-US" dirty="0"/>
           </a:p>
@@ -2410,7 +2410,7 @@
           <a:p>
             <a:fld id="{05C68B11-C5A8-448C-8CE9-B1A273C79CFC}" type="datetimeFigureOut">
               <a:rPr lang="en-US" smtClean="0"/>
-              <a:t>6/20/2016</a:t>
+              <a:t>6/21/2016</a:t>
             </a:fld>
             <a:endParaRPr lang="en-US" dirty="0"/>
           </a:p>
@@ -2462,7 +2462,7 @@
           <a:p>
             <a:fld id="{4FAB73BC-B049-4115-A692-8D63A059BFB8}" type="slidenum">
               <a:rPr lang="en-US" smtClean="0"/>
-              <a:t>‹nr.›</a:t>
+              <a:t>‹#›</a:t>
             </a:fld>
             <a:endParaRPr lang="en-US" dirty="0"/>
           </a:p>
@@ -2726,7 +2726,7 @@
           <a:p>
             <a:fld id="{C7616CA0-919D-4A49-9C8A-62FDFB3A5183}" type="datetimeFigureOut">
               <a:rPr lang="en-US" smtClean="0"/>
-              <a:t>6/20/2016</a:t>
+              <a:t>6/21/2016</a:t>
             </a:fld>
             <a:endParaRPr lang="en-US" dirty="0"/>
           </a:p>
@@ -2788,7 +2788,7 @@
           <a:p>
             <a:fld id="{867E5644-1E61-4311-A31E-84CB9C7AA8A9}" type="slidenum">
               <a:rPr lang="en-US" smtClean="0"/>
-              <a:t>‹nr.›</a:t>
+              <a:t>‹#›</a:t>
             </a:fld>
             <a:endParaRPr lang="en-US" dirty="0"/>
           </a:p>
@@ -2960,7 +2960,7 @@
             <a:fld id="{90298CD5-6C1E-4009-B41F-6DF62E31D3BE}" type="datetimeFigureOut">
               <a:rPr lang="en-US" smtClean="0"/>
               <a:pPr/>
-              <a:t>6/20/2016</a:t>
+              <a:t>6/21/2016</a:t>
             </a:fld>
             <a:endParaRPr lang="en-US" dirty="0"/>
           </a:p>
@@ -3043,7 +3043,7 @@
             <a:fld id="{4FAB73BC-B049-4115-A692-8D63A059BFB8}" type="slidenum">
               <a:rPr lang="en-US" smtClean="0"/>
               <a:pPr/>
-              <a:t>‹nr.›</a:t>
+              <a:t>‹#›</a:t>
             </a:fld>
             <a:endParaRPr lang="en-US" dirty="0"/>
           </a:p>
@@ -3546,11 +3546,7 @@
           <a:p>
             <a:r>
               <a:rPr lang="da-DK" dirty="0" smtClean="0"/>
-              <a:t>Mikkels </a:t>
-            </a:r>
-            <a:r>
-              <a:rPr lang="da-DK" dirty="0" smtClean="0"/>
-              <a:t>slide </a:t>
+              <a:t>Mikkels slide </a:t>
             </a:r>
             <a:endParaRPr lang="da-DK" dirty="0"/>
           </a:p>
@@ -4305,6 +4301,369 @@
           </a:p>
         </p:txBody>
       </p:sp>
+      <p:pic>
+        <p:nvPicPr>
+          <p:cNvPr id="2" name="Picture 1"/>
+          <p:cNvPicPr>
+            <a:picLocks noChangeAspect="1"/>
+          </p:cNvPicPr>
+          <p:nvPr/>
+        </p:nvPicPr>
+        <p:blipFill>
+          <a:blip r:embed="rId2">
+            <a:extLst>
+              <a:ext uri="{28A0092B-C50C-407E-A947-70E740481C1C}">
+                <a14:useLocalDpi xmlns:a14="http://schemas.microsoft.com/office/drawing/2010/main" val="0"/>
+              </a:ext>
+            </a:extLst>
+          </a:blip>
+          <a:stretch>
+            <a:fillRect/>
+          </a:stretch>
+        </p:blipFill>
+        <p:spPr>
+          <a:xfrm>
+            <a:off x="8354225" y="835731"/>
+            <a:ext cx="3610327" cy="3070129"/>
+          </a:xfrm>
+          <a:prstGeom prst="rect">
+            <a:avLst/>
+          </a:prstGeom>
+          <a:effectLst>
+            <a:outerShdw blurRad="63500" sx="102000" sy="102000" algn="ctr" rotWithShape="0">
+              <a:prstClr val="black">
+                <a:alpha val="40000"/>
+              </a:prstClr>
+            </a:outerShdw>
+            <a:softEdge rad="12700"/>
+          </a:effectLst>
+        </p:spPr>
+      </p:pic>
+      <p:sp>
+        <p:nvSpPr>
+          <p:cNvPr id="3" name="Rectangle 2"/>
+          <p:cNvSpPr/>
+          <p:nvPr/>
+        </p:nvSpPr>
+        <p:spPr>
+          <a:xfrm>
+            <a:off x="676656" y="465875"/>
+            <a:ext cx="2964274" cy="923330"/>
+          </a:xfrm>
+          <a:prstGeom prst="rect">
+            <a:avLst/>
+          </a:prstGeom>
+          <a:noFill/>
+        </p:spPr>
+        <p:txBody>
+          <a:bodyPr wrap="none" lIns="91440" tIns="45720" rIns="91440" bIns="45720">
+            <a:spAutoFit/>
+          </a:bodyPr>
+          <a:lstStyle/>
+          <a:p>
+            <a:pPr algn="ctr"/>
+            <a:r>
+              <a:rPr lang="en-US" sz="5400" b="0" cap="none" spc="0" dirty="0" smtClean="0">
+                <a:ln w="0"/>
+                <a:solidFill>
+                  <a:schemeClr val="tx1"/>
+                </a:solidFill>
+                <a:effectLst>
+                  <a:outerShdw blurRad="38100" dist="19050" dir="2700000" algn="tl" rotWithShape="0">
+                    <a:schemeClr val="dk1">
+                      <a:alpha val="40000"/>
+                    </a:schemeClr>
+                  </a:outerShdw>
+                </a:effectLst>
+              </a:rPr>
+              <a:t>Use Cases</a:t>
+            </a:r>
+            <a:endParaRPr lang="en-US" sz="5400" b="0" cap="none" spc="0" dirty="0">
+              <a:ln w="0"/>
+              <a:solidFill>
+                <a:schemeClr val="tx1"/>
+              </a:solidFill>
+              <a:effectLst>
+                <a:outerShdw blurRad="38100" dist="19050" dir="2700000" algn="tl" rotWithShape="0">
+                  <a:schemeClr val="dk1">
+                    <a:alpha val="40000"/>
+                  </a:schemeClr>
+                </a:outerShdw>
+              </a:effectLst>
+            </a:endParaRPr>
+          </a:p>
+        </p:txBody>
+      </p:sp>
+      <p:sp>
+        <p:nvSpPr>
+          <p:cNvPr id="5" name="Down Arrow 4"/>
+          <p:cNvSpPr/>
+          <p:nvPr/>
+        </p:nvSpPr>
+        <p:spPr>
+          <a:xfrm>
+            <a:off x="1695877" y="1949592"/>
+            <a:ext cx="876289" cy="1185541"/>
+          </a:xfrm>
+          <a:prstGeom prst="downArrow">
+            <a:avLst/>
+          </a:prstGeom>
+        </p:spPr>
+        <p:style>
+          <a:lnRef idx="2">
+            <a:schemeClr val="dk1">
+              <a:shade val="50000"/>
+            </a:schemeClr>
+          </a:lnRef>
+          <a:fillRef idx="1">
+            <a:schemeClr val="dk1"/>
+          </a:fillRef>
+          <a:effectRef idx="0">
+            <a:schemeClr val="dk1"/>
+          </a:effectRef>
+          <a:fontRef idx="minor">
+            <a:schemeClr val="lt1"/>
+          </a:fontRef>
+        </p:style>
+        <p:txBody>
+          <a:bodyPr rtlCol="0" anchor="ctr"/>
+          <a:lstStyle/>
+          <a:p>
+            <a:pPr algn="ctr"/>
+            <a:endParaRPr lang="da-DK">
+              <a:ln w="0"/>
+              <a:gradFill>
+                <a:gsLst>
+                  <a:gs pos="21000">
+                    <a:srgbClr val="53575C"/>
+                  </a:gs>
+                  <a:gs pos="88000">
+                    <a:srgbClr val="C5C7CA"/>
+                  </a:gs>
+                </a:gsLst>
+                <a:lin ang="5400000"/>
+              </a:gradFill>
+            </a:endParaRPr>
+          </a:p>
+        </p:txBody>
+      </p:sp>
+      <p:sp>
+        <p:nvSpPr>
+          <p:cNvPr id="7" name="Rectangle 6"/>
+          <p:cNvSpPr/>
+          <p:nvPr/>
+        </p:nvSpPr>
+        <p:spPr>
+          <a:xfrm>
+            <a:off x="654546" y="3695521"/>
+            <a:ext cx="2958952" cy="923330"/>
+          </a:xfrm>
+          <a:prstGeom prst="rect">
+            <a:avLst/>
+          </a:prstGeom>
+          <a:noFill/>
+        </p:spPr>
+        <p:txBody>
+          <a:bodyPr wrap="none" lIns="91440" tIns="45720" rIns="91440" bIns="45720">
+            <a:spAutoFit/>
+          </a:bodyPr>
+          <a:lstStyle/>
+          <a:p>
+            <a:pPr algn="ctr"/>
+            <a:r>
+              <a:rPr lang="en-US" sz="5400" b="0" cap="none" spc="0" dirty="0" err="1" smtClean="0">
+                <a:ln w="0"/>
+                <a:solidFill>
+                  <a:schemeClr val="tx1"/>
+                </a:solidFill>
+                <a:effectLst>
+                  <a:outerShdw blurRad="38100" dist="19050" dir="2700000" algn="tl" rotWithShape="0">
+                    <a:schemeClr val="dk1">
+                      <a:alpha val="40000"/>
+                    </a:schemeClr>
+                  </a:outerShdw>
+                </a:effectLst>
+              </a:rPr>
+              <a:t>Arkitektur</a:t>
+            </a:r>
+            <a:endParaRPr lang="en-US" sz="5400" b="0" cap="none" spc="0" dirty="0">
+              <a:ln w="0"/>
+              <a:solidFill>
+                <a:schemeClr val="tx1"/>
+              </a:solidFill>
+              <a:effectLst>
+                <a:outerShdw blurRad="38100" dist="19050" dir="2700000" algn="tl" rotWithShape="0">
+                  <a:schemeClr val="dk1">
+                    <a:alpha val="40000"/>
+                  </a:schemeClr>
+                </a:outerShdw>
+              </a:effectLst>
+            </a:endParaRPr>
+          </a:p>
+        </p:txBody>
+      </p:sp>
+      <p:pic>
+        <p:nvPicPr>
+          <p:cNvPr id="8" name="Picture 7"/>
+          <p:cNvPicPr>
+            <a:picLocks noChangeAspect="1"/>
+          </p:cNvPicPr>
+          <p:nvPr/>
+        </p:nvPicPr>
+        <p:blipFill>
+          <a:blip r:embed="rId3">
+            <a:extLst>
+              <a:ext uri="{28A0092B-C50C-407E-A947-70E740481C1C}">
+                <a14:useLocalDpi xmlns:a14="http://schemas.microsoft.com/office/drawing/2010/main" val="0"/>
+              </a:ext>
+            </a:extLst>
+          </a:blip>
+          <a:stretch>
+            <a:fillRect/>
+          </a:stretch>
+        </p:blipFill>
+        <p:spPr>
+          <a:xfrm>
+            <a:off x="3994155" y="213065"/>
+            <a:ext cx="3686689" cy="1428949"/>
+          </a:xfrm>
+          <a:prstGeom prst="rect">
+            <a:avLst/>
+          </a:prstGeom>
+        </p:spPr>
+      </p:pic>
+      <p:pic>
+        <p:nvPicPr>
+          <p:cNvPr id="9" name="Picture 8"/>
+          <p:cNvPicPr>
+            <a:picLocks noChangeAspect="1"/>
+          </p:cNvPicPr>
+          <p:nvPr/>
+        </p:nvPicPr>
+        <p:blipFill>
+          <a:blip r:embed="rId4">
+            <a:extLst>
+              <a:ext uri="{28A0092B-C50C-407E-A947-70E740481C1C}">
+                <a14:useLocalDpi xmlns:a14="http://schemas.microsoft.com/office/drawing/2010/main" val="0"/>
+              </a:ext>
+            </a:extLst>
+          </a:blip>
+          <a:stretch>
+            <a:fillRect/>
+          </a:stretch>
+        </p:blipFill>
+        <p:spPr>
+          <a:xfrm>
+            <a:off x="3792044" y="2948957"/>
+            <a:ext cx="4090912" cy="2487138"/>
+          </a:xfrm>
+          <a:prstGeom prst="rect">
+            <a:avLst/>
+          </a:prstGeom>
+        </p:spPr>
+      </p:pic>
+      <p:sp>
+        <p:nvSpPr>
+          <p:cNvPr id="10" name="Down Arrow 9"/>
+          <p:cNvSpPr/>
+          <p:nvPr/>
+        </p:nvSpPr>
+        <p:spPr>
+          <a:xfrm>
+            <a:off x="5551404" y="1983735"/>
+            <a:ext cx="572190" cy="774122"/>
+          </a:xfrm>
+          <a:prstGeom prst="downArrow">
+            <a:avLst/>
+          </a:prstGeom>
+        </p:spPr>
+        <p:style>
+          <a:lnRef idx="2">
+            <a:schemeClr val="dk1">
+              <a:shade val="50000"/>
+            </a:schemeClr>
+          </a:lnRef>
+          <a:fillRef idx="1">
+            <a:schemeClr val="dk1"/>
+          </a:fillRef>
+          <a:effectRef idx="0">
+            <a:schemeClr val="dk1"/>
+          </a:effectRef>
+          <a:fontRef idx="minor">
+            <a:schemeClr val="lt1"/>
+          </a:fontRef>
+        </p:style>
+        <p:txBody>
+          <a:bodyPr rtlCol="0" anchor="ctr"/>
+          <a:lstStyle/>
+          <a:p>
+            <a:pPr algn="ctr"/>
+            <a:endParaRPr lang="da-DK">
+              <a:ln w="0"/>
+              <a:gradFill>
+                <a:gsLst>
+                  <a:gs pos="21000">
+                    <a:srgbClr val="53575C"/>
+                  </a:gs>
+                  <a:gs pos="88000">
+                    <a:srgbClr val="C5C7CA"/>
+                  </a:gs>
+                </a:gsLst>
+                <a:lin ang="5400000"/>
+              </a:gradFill>
+            </a:endParaRPr>
+          </a:p>
+        </p:txBody>
+      </p:sp>
+      <p:sp>
+        <p:nvSpPr>
+          <p:cNvPr id="11" name="Rectangle 10"/>
+          <p:cNvSpPr/>
+          <p:nvPr/>
+        </p:nvSpPr>
+        <p:spPr>
+          <a:xfrm>
+            <a:off x="533400" y="60356"/>
+            <a:ext cx="7467600" cy="5438194"/>
+          </a:xfrm>
+          <a:prstGeom prst="rect">
+            <a:avLst/>
+          </a:prstGeom>
+          <a:noFill/>
+          <a:ln>
+            <a:solidFill>
+              <a:schemeClr val="tx1"/>
+            </a:solidFill>
+          </a:ln>
+          <a:effectLst>
+            <a:softEdge rad="0"/>
+          </a:effectLst>
+        </p:spPr>
+        <p:style>
+          <a:lnRef idx="2">
+            <a:schemeClr val="accent1">
+              <a:shade val="50000"/>
+            </a:schemeClr>
+          </a:lnRef>
+          <a:fillRef idx="1">
+            <a:schemeClr val="accent1"/>
+          </a:fillRef>
+          <a:effectRef idx="0">
+            <a:schemeClr val="accent1"/>
+          </a:effectRef>
+          <a:fontRef idx="minor">
+            <a:schemeClr val="lt1"/>
+          </a:fontRef>
+        </p:style>
+        <p:txBody>
+          <a:bodyPr rtlCol="0" anchor="ctr"/>
+          <a:lstStyle/>
+          <a:p>
+            <a:pPr algn="ctr"/>
+            <a:endParaRPr lang="da-DK"/>
+          </a:p>
+        </p:txBody>
+      </p:sp>
     </p:spTree>
     <p:extLst>
       <p:ext uri="{BB962C8B-B14F-4D97-AF65-F5344CB8AC3E}">
@@ -4315,6 +4674,13 @@
   <p:clrMapOvr>
     <a:masterClrMapping/>
   </p:clrMapOvr>
+  <p:timing>
+    <p:tnLst>
+      <p:par>
+        <p:cTn id="1" dur="indefinite" restart="never" nodeType="tmRoot"/>
+      </p:par>
+    </p:tnLst>
+  </p:timing>
 </p:sld>
 </file>
 
@@ -4391,6 +4757,13 @@
   <p:clrMapOvr>
     <a:masterClrMapping/>
   </p:clrMapOvr>
+  <p:timing>
+    <p:tnLst>
+      <p:par>
+        <p:cTn id="1" dur="indefinite" restart="never" nodeType="tmRoot"/>
+      </p:par>
+    </p:tnLst>
+  </p:timing>
 </p:sld>
 </file>
 
@@ -4467,6 +4840,13 @@
   <p:clrMapOvr>
     <a:masterClrMapping/>
   </p:clrMapOvr>
+  <p:timing>
+    <p:tnLst>
+      <p:par>
+        <p:cTn id="1" dur="indefinite" restart="never" nodeType="tmRoot"/>
+      </p:par>
+    </p:tnLst>
+  </p:timing>
 </p:sld>
 </file>
 

--- a/Præsentation/Fremlæggelse.pptx
+++ b/Præsentation/Fremlæggelse.pptx
@@ -213,7 +213,7 @@
           </a:lstStyle>
           <a:p>
             <a:r>
-              <a:rPr lang="da-DK" smtClean="0"/>
+              <a:rPr lang="da-DK"/>
               <a:t>Klik for at redigere i master</a:t>
             </a:r>
             <a:endParaRPr lang="en-US" dirty="0"/>
@@ -285,7 +285,7 @@
           </a:lstStyle>
           <a:p>
             <a:r>
-              <a:rPr lang="da-DK" smtClean="0"/>
+              <a:rPr lang="da-DK"/>
               <a:t>Klik for at redigere i master</a:t>
             </a:r>
             <a:endParaRPr lang="en-US" dirty="0"/>
@@ -381,7 +381,7 @@
           <a:p>
             <a:fld id="{4FAB73BC-B049-4115-A692-8D63A059BFB8}" type="slidenum">
               <a:rPr lang="en-US" smtClean="0"/>
-              <a:t>‹#›</a:t>
+              <a:t>‹nr.›</a:t>
             </a:fld>
             <a:endParaRPr lang="en-US" dirty="0"/>
           </a:p>
@@ -433,7 +433,7 @@
           <a:lstStyle/>
           <a:p>
             <a:r>
-              <a:rPr lang="da-DK" smtClean="0"/>
+              <a:rPr lang="da-DK"/>
               <a:t>Klik for at redigere i master</a:t>
             </a:r>
             <a:endParaRPr lang="en-US" dirty="0"/>
@@ -457,35 +457,35 @@
           <a:p>
             <a:pPr lvl="0"/>
             <a:r>
-              <a:rPr lang="da-DK" smtClean="0"/>
+              <a:rPr lang="da-DK"/>
               <a:t>Klik for at redigere i master</a:t>
             </a:r>
           </a:p>
           <a:p>
             <a:pPr lvl="1"/>
             <a:r>
-              <a:rPr lang="da-DK" smtClean="0"/>
+              <a:rPr lang="da-DK"/>
               <a:t>Andet niveau</a:t>
             </a:r>
           </a:p>
           <a:p>
             <a:pPr lvl="2"/>
             <a:r>
-              <a:rPr lang="da-DK" smtClean="0"/>
+              <a:rPr lang="da-DK"/>
               <a:t>Tredje niveau</a:t>
             </a:r>
           </a:p>
           <a:p>
             <a:pPr lvl="3"/>
             <a:r>
-              <a:rPr lang="da-DK" smtClean="0"/>
+              <a:rPr lang="da-DK"/>
               <a:t>Fjerde niveau</a:t>
             </a:r>
           </a:p>
           <a:p>
             <a:pPr lvl="4"/>
             <a:r>
-              <a:rPr lang="da-DK" smtClean="0"/>
+              <a:rPr lang="da-DK"/>
               <a:t>Femte niveau</a:t>
             </a:r>
             <a:endParaRPr lang="en-US" dirty="0"/>
@@ -551,7 +551,7 @@
           <a:p>
             <a:fld id="{4FAB73BC-B049-4115-A692-8D63A059BFB8}" type="slidenum">
               <a:rPr lang="en-US" smtClean="0"/>
-              <a:t>‹#›</a:t>
+              <a:t>‹nr.›</a:t>
             </a:fld>
             <a:endParaRPr lang="en-US" dirty="0"/>
           </a:p>
@@ -608,7 +608,7 @@
           <a:lstStyle/>
           <a:p>
             <a:r>
-              <a:rPr lang="da-DK" smtClean="0"/>
+              <a:rPr lang="da-DK"/>
               <a:t>Klik for at redigere i master</a:t>
             </a:r>
             <a:endParaRPr lang="en-US" dirty="0"/>
@@ -637,35 +637,35 @@
           <a:p>
             <a:pPr lvl="0"/>
             <a:r>
-              <a:rPr lang="da-DK" smtClean="0"/>
+              <a:rPr lang="da-DK"/>
               <a:t>Klik for at redigere i master</a:t>
             </a:r>
           </a:p>
           <a:p>
             <a:pPr lvl="1"/>
             <a:r>
-              <a:rPr lang="da-DK" smtClean="0"/>
+              <a:rPr lang="da-DK"/>
               <a:t>Andet niveau</a:t>
             </a:r>
           </a:p>
           <a:p>
             <a:pPr lvl="2"/>
             <a:r>
-              <a:rPr lang="da-DK" smtClean="0"/>
+              <a:rPr lang="da-DK"/>
               <a:t>Tredje niveau</a:t>
             </a:r>
           </a:p>
           <a:p>
             <a:pPr lvl="3"/>
             <a:r>
-              <a:rPr lang="da-DK" smtClean="0"/>
+              <a:rPr lang="da-DK"/>
               <a:t>Fjerde niveau</a:t>
             </a:r>
           </a:p>
           <a:p>
             <a:pPr lvl="4"/>
             <a:r>
-              <a:rPr lang="da-DK" smtClean="0"/>
+              <a:rPr lang="da-DK"/>
               <a:t>Femte niveau</a:t>
             </a:r>
             <a:endParaRPr lang="en-US" dirty="0"/>
@@ -731,7 +731,7 @@
           <a:p>
             <a:fld id="{4FAB73BC-B049-4115-A692-8D63A059BFB8}" type="slidenum">
               <a:rPr lang="en-US" smtClean="0"/>
-              <a:t>‹#›</a:t>
+              <a:t>‹nr.›</a:t>
             </a:fld>
             <a:endParaRPr lang="en-US" dirty="0"/>
           </a:p>
@@ -783,7 +783,7 @@
           <a:lstStyle/>
           <a:p>
             <a:r>
-              <a:rPr lang="da-DK" smtClean="0"/>
+              <a:rPr lang="da-DK"/>
               <a:t>Klik for at redigere i master</a:t>
             </a:r>
             <a:endParaRPr lang="en-US" dirty="0"/>
@@ -807,35 +807,35 @@
           <a:p>
             <a:pPr lvl="0"/>
             <a:r>
-              <a:rPr lang="da-DK" smtClean="0"/>
+              <a:rPr lang="da-DK"/>
               <a:t>Klik for at redigere i master</a:t>
             </a:r>
           </a:p>
           <a:p>
             <a:pPr lvl="1"/>
             <a:r>
-              <a:rPr lang="da-DK" smtClean="0"/>
+              <a:rPr lang="da-DK"/>
               <a:t>Andet niveau</a:t>
             </a:r>
           </a:p>
           <a:p>
             <a:pPr lvl="2"/>
             <a:r>
-              <a:rPr lang="da-DK" smtClean="0"/>
+              <a:rPr lang="da-DK"/>
               <a:t>Tredje niveau</a:t>
             </a:r>
           </a:p>
           <a:p>
             <a:pPr lvl="3"/>
             <a:r>
-              <a:rPr lang="da-DK" smtClean="0"/>
+              <a:rPr lang="da-DK"/>
               <a:t>Fjerde niveau</a:t>
             </a:r>
           </a:p>
           <a:p>
             <a:pPr lvl="4"/>
             <a:r>
-              <a:rPr lang="da-DK" smtClean="0"/>
+              <a:rPr lang="da-DK"/>
               <a:t>Femte niveau</a:t>
             </a:r>
             <a:endParaRPr lang="en-US" dirty="0"/>
@@ -901,7 +901,7 @@
           <a:p>
             <a:fld id="{4FAB73BC-B049-4115-A692-8D63A059BFB8}" type="slidenum">
               <a:rPr lang="en-US" smtClean="0"/>
-              <a:t>‹#›</a:t>
+              <a:t>‹nr.›</a:t>
             </a:fld>
             <a:endParaRPr lang="en-US" dirty="0"/>
           </a:p>
@@ -971,7 +971,7 @@
           </a:lstStyle>
           <a:p>
             <a:r>
-              <a:rPr lang="da-DK" smtClean="0"/>
+              <a:rPr lang="da-DK"/>
               <a:t>Klik for at redigere i master</a:t>
             </a:r>
             <a:endParaRPr lang="en-US" dirty="0"/>
@@ -1092,7 +1092,7 @@
           <a:p>
             <a:pPr lvl="0"/>
             <a:r>
-              <a:rPr lang="da-DK" smtClean="0"/>
+              <a:rPr lang="da-DK"/>
               <a:t>Klik for at redigere i master</a:t>
             </a:r>
           </a:p>
@@ -1157,7 +1157,7 @@
           <a:p>
             <a:fld id="{4FAB73BC-B049-4115-A692-8D63A059BFB8}" type="slidenum">
               <a:rPr lang="en-US" smtClean="0"/>
-              <a:t>‹#›</a:t>
+              <a:t>‹nr.›</a:t>
             </a:fld>
             <a:endParaRPr lang="en-US" dirty="0"/>
           </a:p>
@@ -1209,7 +1209,7 @@
           <a:lstStyle/>
           <a:p>
             <a:r>
-              <a:rPr lang="da-DK" smtClean="0"/>
+              <a:rPr lang="da-DK"/>
               <a:t>Klik for at redigere i master</a:t>
             </a:r>
             <a:endParaRPr lang="en-US" dirty="0"/>
@@ -1266,35 +1266,35 @@
           <a:p>
             <a:pPr lvl="0"/>
             <a:r>
-              <a:rPr lang="da-DK" smtClean="0"/>
+              <a:rPr lang="da-DK"/>
               <a:t>Klik for at redigere i master</a:t>
             </a:r>
           </a:p>
           <a:p>
             <a:pPr lvl="1"/>
             <a:r>
-              <a:rPr lang="da-DK" smtClean="0"/>
+              <a:rPr lang="da-DK"/>
               <a:t>Andet niveau</a:t>
             </a:r>
           </a:p>
           <a:p>
             <a:pPr lvl="2"/>
             <a:r>
-              <a:rPr lang="da-DK" smtClean="0"/>
+              <a:rPr lang="da-DK"/>
               <a:t>Tredje niveau</a:t>
             </a:r>
           </a:p>
           <a:p>
             <a:pPr lvl="3"/>
             <a:r>
-              <a:rPr lang="da-DK" smtClean="0"/>
+              <a:rPr lang="da-DK"/>
               <a:t>Fjerde niveau</a:t>
             </a:r>
           </a:p>
           <a:p>
             <a:pPr lvl="4"/>
             <a:r>
-              <a:rPr lang="da-DK" smtClean="0"/>
+              <a:rPr lang="da-DK"/>
               <a:t>Femte niveau</a:t>
             </a:r>
             <a:endParaRPr lang="en-US" dirty="0"/>
@@ -1351,35 +1351,35 @@
           <a:p>
             <a:pPr lvl="0"/>
             <a:r>
-              <a:rPr lang="da-DK" smtClean="0"/>
+              <a:rPr lang="da-DK"/>
               <a:t>Klik for at redigere i master</a:t>
             </a:r>
           </a:p>
           <a:p>
             <a:pPr lvl="1"/>
             <a:r>
-              <a:rPr lang="da-DK" smtClean="0"/>
+              <a:rPr lang="da-DK"/>
               <a:t>Andet niveau</a:t>
             </a:r>
           </a:p>
           <a:p>
             <a:pPr lvl="2"/>
             <a:r>
-              <a:rPr lang="da-DK" smtClean="0"/>
+              <a:rPr lang="da-DK"/>
               <a:t>Tredje niveau</a:t>
             </a:r>
           </a:p>
           <a:p>
             <a:pPr lvl="3"/>
             <a:r>
-              <a:rPr lang="da-DK" smtClean="0"/>
+              <a:rPr lang="da-DK"/>
               <a:t>Fjerde niveau</a:t>
             </a:r>
           </a:p>
           <a:p>
             <a:pPr lvl="4"/>
             <a:r>
-              <a:rPr lang="da-DK" smtClean="0"/>
+              <a:rPr lang="da-DK"/>
               <a:t>Femte niveau</a:t>
             </a:r>
             <a:endParaRPr lang="en-US" dirty="0"/>
@@ -1445,7 +1445,7 @@
           <a:p>
             <a:fld id="{4FAB73BC-B049-4115-A692-8D63A059BFB8}" type="slidenum">
               <a:rPr lang="en-US" smtClean="0"/>
-              <a:t>‹#›</a:t>
+              <a:t>‹nr.›</a:t>
             </a:fld>
             <a:endParaRPr lang="en-US" dirty="0"/>
           </a:p>
@@ -1497,7 +1497,7 @@
           <a:lstStyle/>
           <a:p>
             <a:r>
-              <a:rPr lang="da-DK" smtClean="0"/>
+              <a:rPr lang="da-DK"/>
               <a:t>Klik for at redigere i master</a:t>
             </a:r>
             <a:endParaRPr lang="en-US" dirty="0"/>
@@ -1573,7 +1573,7 @@
           <a:p>
             <a:pPr lvl="0"/>
             <a:r>
-              <a:rPr lang="da-DK" smtClean="0"/>
+              <a:rPr lang="da-DK"/>
               <a:t>Klik for at redigere i master</a:t>
             </a:r>
           </a:p>
@@ -1629,35 +1629,35 @@
           <a:p>
             <a:pPr lvl="0"/>
             <a:r>
-              <a:rPr lang="da-DK" smtClean="0"/>
+              <a:rPr lang="da-DK"/>
               <a:t>Klik for at redigere i master</a:t>
             </a:r>
           </a:p>
           <a:p>
             <a:pPr lvl="1"/>
             <a:r>
-              <a:rPr lang="da-DK" smtClean="0"/>
+              <a:rPr lang="da-DK"/>
               <a:t>Andet niveau</a:t>
             </a:r>
           </a:p>
           <a:p>
             <a:pPr lvl="2"/>
             <a:r>
-              <a:rPr lang="da-DK" smtClean="0"/>
+              <a:rPr lang="da-DK"/>
               <a:t>Tredje niveau</a:t>
             </a:r>
           </a:p>
           <a:p>
             <a:pPr lvl="3"/>
             <a:r>
-              <a:rPr lang="da-DK" smtClean="0"/>
+              <a:rPr lang="da-DK"/>
               <a:t>Fjerde niveau</a:t>
             </a:r>
           </a:p>
           <a:p>
             <a:pPr lvl="4"/>
             <a:r>
-              <a:rPr lang="da-DK" smtClean="0"/>
+              <a:rPr lang="da-DK"/>
               <a:t>Femte niveau</a:t>
             </a:r>
             <a:endParaRPr lang="en-US" dirty="0"/>
@@ -1733,7 +1733,7 @@
           <a:p>
             <a:pPr lvl="0"/>
             <a:r>
-              <a:rPr lang="da-DK" smtClean="0"/>
+              <a:rPr lang="da-DK"/>
               <a:t>Klik for at redigere i master</a:t>
             </a:r>
           </a:p>
@@ -1789,35 +1789,35 @@
           <a:p>
             <a:pPr lvl="0"/>
             <a:r>
-              <a:rPr lang="da-DK" smtClean="0"/>
+              <a:rPr lang="da-DK"/>
               <a:t>Klik for at redigere i master</a:t>
             </a:r>
           </a:p>
           <a:p>
             <a:pPr lvl="1"/>
             <a:r>
-              <a:rPr lang="da-DK" smtClean="0"/>
+              <a:rPr lang="da-DK"/>
               <a:t>Andet niveau</a:t>
             </a:r>
           </a:p>
           <a:p>
             <a:pPr lvl="2"/>
             <a:r>
-              <a:rPr lang="da-DK" smtClean="0"/>
+              <a:rPr lang="da-DK"/>
               <a:t>Tredje niveau</a:t>
             </a:r>
           </a:p>
           <a:p>
             <a:pPr lvl="3"/>
             <a:r>
-              <a:rPr lang="da-DK" smtClean="0"/>
+              <a:rPr lang="da-DK"/>
               <a:t>Fjerde niveau</a:t>
             </a:r>
           </a:p>
           <a:p>
             <a:pPr lvl="4"/>
             <a:r>
-              <a:rPr lang="da-DK" smtClean="0"/>
+              <a:rPr lang="da-DK"/>
               <a:t>Femte niveau</a:t>
             </a:r>
             <a:endParaRPr lang="en-US" dirty="0"/>
@@ -1883,7 +1883,7 @@
           <a:p>
             <a:fld id="{4FAB73BC-B049-4115-A692-8D63A059BFB8}" type="slidenum">
               <a:rPr lang="en-US" smtClean="0"/>
-              <a:t>‹#›</a:t>
+              <a:t>‹nr.›</a:t>
             </a:fld>
             <a:endParaRPr lang="en-US" dirty="0"/>
           </a:p>
@@ -1935,7 +1935,7 @@
           <a:lstStyle/>
           <a:p>
             <a:r>
-              <a:rPr lang="da-DK" smtClean="0"/>
+              <a:rPr lang="da-DK"/>
               <a:t>Klik for at redigere i master</a:t>
             </a:r>
             <a:endParaRPr lang="en-US" dirty="0"/>
@@ -2001,7 +2001,7 @@
           <a:p>
             <a:fld id="{4FAB73BC-B049-4115-A692-8D63A059BFB8}" type="slidenum">
               <a:rPr lang="en-US" smtClean="0"/>
-              <a:t>‹#›</a:t>
+              <a:t>‹nr.›</a:t>
             </a:fld>
             <a:endParaRPr lang="en-US" dirty="0"/>
           </a:p>
@@ -2096,7 +2096,7 @@
           <a:p>
             <a:fld id="{4FAB73BC-B049-4115-A692-8D63A059BFB8}" type="slidenum">
               <a:rPr lang="en-US" smtClean="0"/>
-              <a:t>‹#›</a:t>
+              <a:t>‹nr.›</a:t>
             </a:fld>
             <a:endParaRPr lang="en-US" dirty="0"/>
           </a:p>
@@ -2201,7 +2201,7 @@
           </a:lstStyle>
           <a:p>
             <a:r>
-              <a:rPr lang="da-DK" smtClean="0"/>
+              <a:rPr lang="da-DK"/>
               <a:t>Klik for at redigere i master</a:t>
             </a:r>
             <a:endParaRPr lang="en-US" dirty="0"/>
@@ -2258,35 +2258,35 @@
           <a:p>
             <a:pPr lvl="0"/>
             <a:r>
-              <a:rPr lang="da-DK" smtClean="0"/>
+              <a:rPr lang="da-DK"/>
               <a:t>Klik for at redigere i master</a:t>
             </a:r>
           </a:p>
           <a:p>
             <a:pPr lvl="1"/>
             <a:r>
-              <a:rPr lang="da-DK" smtClean="0"/>
+              <a:rPr lang="da-DK"/>
               <a:t>Andet niveau</a:t>
             </a:r>
           </a:p>
           <a:p>
             <a:pPr lvl="2"/>
             <a:r>
-              <a:rPr lang="da-DK" smtClean="0"/>
+              <a:rPr lang="da-DK"/>
               <a:t>Tredje niveau</a:t>
             </a:r>
           </a:p>
           <a:p>
             <a:pPr lvl="3"/>
             <a:r>
-              <a:rPr lang="da-DK" smtClean="0"/>
+              <a:rPr lang="da-DK"/>
               <a:t>Fjerde niveau</a:t>
             </a:r>
           </a:p>
           <a:p>
             <a:pPr lvl="4"/>
             <a:r>
-              <a:rPr lang="da-DK" smtClean="0"/>
+              <a:rPr lang="da-DK"/>
               <a:t>Femte niveau</a:t>
             </a:r>
             <a:endParaRPr lang="en-US" dirty="0"/>
@@ -2387,7 +2387,7 @@
               <a:defRPr/>
             </a:pPr>
             <a:r>
-              <a:rPr lang="da-DK" smtClean="0"/>
+              <a:rPr lang="da-DK"/>
               <a:t>Klik for at redigere i master</a:t>
             </a:r>
           </a:p>
@@ -2462,7 +2462,7 @@
           <a:p>
             <a:fld id="{4FAB73BC-B049-4115-A692-8D63A059BFB8}" type="slidenum">
               <a:rPr lang="en-US" smtClean="0"/>
-              <a:t>‹#›</a:t>
+              <a:t>‹nr.›</a:t>
             </a:fld>
             <a:endParaRPr lang="en-US" dirty="0"/>
           </a:p>
@@ -2537,7 +2537,7 @@
           </a:lstStyle>
           <a:p>
             <a:r>
-              <a:rPr lang="da-DK" smtClean="0"/>
+              <a:rPr lang="da-DK"/>
               <a:t>Klik for at redigere i master</a:t>
             </a:r>
             <a:endParaRPr lang="en-US" dirty="0"/>
@@ -2618,7 +2618,7 @@
           </a:lstStyle>
           <a:p>
             <a:r>
-              <a:rPr lang="da-DK" smtClean="0"/>
+              <a:rPr lang="da-DK"/>
               <a:t>Klik på ikonet for at tilføje et billede</a:t>
             </a:r>
             <a:endParaRPr lang="en-US" dirty="0"/>
@@ -2693,7 +2693,7 @@
           <a:p>
             <a:pPr lvl="0"/>
             <a:r>
-              <a:rPr lang="da-DK" smtClean="0"/>
+              <a:rPr lang="da-DK"/>
               <a:t>Klik for at redigere i master</a:t>
             </a:r>
           </a:p>
@@ -2788,7 +2788,7 @@
           <a:p>
             <a:fld id="{867E5644-1E61-4311-A31E-84CB9C7AA8A9}" type="slidenum">
               <a:rPr lang="en-US" smtClean="0"/>
-              <a:t>‹#›</a:t>
+              <a:t>‹nr.›</a:t>
             </a:fld>
             <a:endParaRPr lang="en-US" dirty="0"/>
           </a:p>
@@ -2855,7 +2855,7 @@
           <a:lstStyle/>
           <a:p>
             <a:r>
-              <a:rPr lang="da-DK" smtClean="0"/>
+              <a:rPr lang="da-DK"/>
               <a:t>Klik for at redigere i master</a:t>
             </a:r>
             <a:endParaRPr lang="en-US" dirty="0"/>
@@ -2889,35 +2889,35 @@
           <a:p>
             <a:pPr lvl="0"/>
             <a:r>
-              <a:rPr lang="da-DK" smtClean="0"/>
+              <a:rPr lang="da-DK"/>
               <a:t>Klik for at redigere i master</a:t>
             </a:r>
           </a:p>
           <a:p>
             <a:pPr lvl="1"/>
             <a:r>
-              <a:rPr lang="da-DK" smtClean="0"/>
+              <a:rPr lang="da-DK"/>
               <a:t>Andet niveau</a:t>
             </a:r>
           </a:p>
           <a:p>
             <a:pPr lvl="2"/>
             <a:r>
-              <a:rPr lang="da-DK" smtClean="0"/>
+              <a:rPr lang="da-DK"/>
               <a:t>Tredje niveau</a:t>
             </a:r>
           </a:p>
           <a:p>
             <a:pPr lvl="3"/>
             <a:r>
-              <a:rPr lang="da-DK" smtClean="0"/>
+              <a:rPr lang="da-DK"/>
               <a:t>Fjerde niveau</a:t>
             </a:r>
           </a:p>
           <a:p>
             <a:pPr lvl="4"/>
             <a:r>
-              <a:rPr lang="da-DK" smtClean="0"/>
+              <a:rPr lang="da-DK"/>
               <a:t>Femte niveau</a:t>
             </a:r>
             <a:endParaRPr lang="en-US" dirty="0"/>
@@ -3043,7 +3043,7 @@
             <a:fld id="{4FAB73BC-B049-4115-A692-8D63A059BFB8}" type="slidenum">
               <a:rPr lang="en-US" smtClean="0"/>
               <a:pPr/>
-              <a:t>‹#›</a:t>
+              <a:t>‹nr.›</a:t>
             </a:fld>
             <a:endParaRPr lang="en-US" dirty="0"/>
           </a:p>
@@ -3413,22 +3413,21 @@
           <a:lstStyle/>
           <a:p>
             <a:r>
-              <a:rPr lang="da-DK" dirty="0" err="1" smtClean="0"/>
+              <a:rPr lang="da-DK" dirty="0" err="1"/>
               <a:t>Goofy</a:t>
             </a:r>
             <a:r>
-              <a:rPr lang="da-DK" dirty="0" smtClean="0"/>
+              <a:rPr lang="da-DK" dirty="0"/>
               <a:t> </a:t>
             </a:r>
             <a:r>
-              <a:rPr lang="da-DK" dirty="0" err="1" smtClean="0"/>
+              <a:rPr lang="da-DK" dirty="0" err="1"/>
               <a:t>Candygun</a:t>
             </a:r>
             <a:r>
-              <a:rPr lang="da-DK" dirty="0" smtClean="0"/>
+              <a:rPr lang="da-DK" dirty="0"/>
               <a:t> 3000</a:t>
             </a:r>
-            <a:endParaRPr lang="da-DK" dirty="0"/>
           </a:p>
         </p:txBody>
       </p:sp>
@@ -3450,22 +3449,21 @@
           <a:lstStyle/>
           <a:p>
             <a:r>
-              <a:rPr lang="da-DK" dirty="0" smtClean="0"/>
+              <a:rPr lang="da-DK" dirty="0"/>
               <a:t>E3PRJ3, gruppe 3</a:t>
             </a:r>
           </a:p>
           <a:p>
             <a:r>
-              <a:rPr lang="da-DK" dirty="0" smtClean="0"/>
+              <a:rPr lang="da-DK" dirty="0"/>
               <a:t>Mikkel, Michael, Tenna, Daniel, Kasper, Mia og Pernille</a:t>
             </a:r>
           </a:p>
           <a:p>
             <a:r>
-              <a:rPr lang="da-DK" dirty="0" smtClean="0"/>
+              <a:rPr lang="da-DK" dirty="0"/>
               <a:t>22-06-2016</a:t>
             </a:r>
-            <a:endParaRPr lang="da-DK" dirty="0"/>
           </a:p>
         </p:txBody>
       </p:sp>
@@ -3479,13 +3477,6 @@
   <p:clrMapOvr>
     <a:masterClrMapping/>
   </p:clrMapOvr>
-  <p:timing>
-    <p:tnLst>
-      <p:par>
-        <p:cTn id="1" dur="indefinite" restart="never" nodeType="tmRoot"/>
-      </p:par>
-    </p:tnLst>
-  </p:timing>
 </p:sld>
 </file>
 
@@ -3522,10 +3513,9 @@
           <a:lstStyle/>
           <a:p>
             <a:r>
-              <a:rPr lang="da-DK" dirty="0" smtClean="0"/>
+              <a:rPr lang="da-DK" dirty="0"/>
               <a:t>Indledning</a:t>
             </a:r>
-            <a:endParaRPr lang="da-DK" dirty="0"/>
           </a:p>
         </p:txBody>
       </p:sp>
@@ -3545,10 +3535,9 @@
           <a:lstStyle/>
           <a:p>
             <a:r>
-              <a:rPr lang="da-DK" dirty="0" smtClean="0"/>
+              <a:rPr lang="da-DK" dirty="0"/>
               <a:t>Mikkels slide </a:t>
             </a:r>
-            <a:endParaRPr lang="da-DK" dirty="0"/>
           </a:p>
         </p:txBody>
       </p:sp>
@@ -3582,7 +3571,7 @@
               <a:buChar char="•"/>
             </a:pPr>
             <a:r>
-              <a:rPr lang="da-DK" sz="2000" dirty="0" smtClean="0">
+              <a:rPr lang="da-DK" sz="2000" dirty="0">
                 <a:ln w="0"/>
                 <a:effectLst>
                   <a:outerShdw blurRad="38100" dist="19050" dir="2700000" algn="tl" rotWithShape="0">
@@ -3604,7 +3593,7 @@
               <a:buChar char="•"/>
             </a:pPr>
             <a:r>
-              <a:rPr lang="da-DK" sz="2000" dirty="0" smtClean="0">
+              <a:rPr lang="da-DK" sz="2000" dirty="0">
                 <a:ln w="0"/>
                 <a:effectLst>
                   <a:outerShdw blurRad="38100" dist="19050" dir="2700000" algn="tl" rotWithShape="0">
@@ -3626,7 +3615,7 @@
               <a:buChar char="•"/>
             </a:pPr>
             <a:r>
-              <a:rPr lang="da-DK" sz="2000" dirty="0" smtClean="0">
+              <a:rPr lang="da-DK" sz="2000" dirty="0">
                 <a:ln w="0"/>
                 <a:effectLst>
                   <a:outerShdw blurRad="38100" dist="19050" dir="2700000" algn="tl" rotWithShape="0">
@@ -3638,16 +3627,6 @@
               </a:rPr>
               <a:t>Opdeling af arbejde </a:t>
             </a:r>
-            <a:endParaRPr lang="da-DK" sz="2000" dirty="0">
-              <a:ln w="0"/>
-              <a:effectLst>
-                <a:outerShdw blurRad="38100" dist="19050" dir="2700000" algn="tl" rotWithShape="0">
-                  <a:schemeClr val="dk1">
-                    <a:alpha val="40000"/>
-                  </a:schemeClr>
-                </a:outerShdw>
-              </a:effectLst>
-            </a:endParaRPr>
           </a:p>
         </p:txBody>
       </p:sp>
@@ -3697,11 +3676,11 @@
           <a:lstStyle/>
           <a:p>
             <a:r>
-              <a:rPr lang="da-DK" dirty="0" smtClean="0"/>
+              <a:rPr lang="da-DK" dirty="0"/>
               <a:t>Proces - </a:t>
             </a:r>
             <a:r>
-              <a:rPr lang="da-DK" dirty="0" err="1" smtClean="0"/>
+              <a:rPr lang="da-DK" dirty="0" err="1"/>
               <a:t>scrum</a:t>
             </a:r>
             <a:endParaRPr lang="da-DK" dirty="0"/>
@@ -3724,10 +3703,9 @@
           <a:lstStyle/>
           <a:p>
             <a:r>
-              <a:rPr lang="da-DK" dirty="0" smtClean="0"/>
+              <a:rPr lang="da-DK" dirty="0"/>
               <a:t>Michaels slide</a:t>
             </a:r>
-            <a:endParaRPr lang="da-DK" dirty="0"/>
           </a:p>
         </p:txBody>
       </p:sp>
@@ -3741,13 +3719,6 @@
   <p:clrMapOvr>
     <a:masterClrMapping/>
   </p:clrMapOvr>
-  <p:timing>
-    <p:tnLst>
-      <p:par>
-        <p:cTn id="1" dur="indefinite" restart="never" nodeType="tmRoot"/>
-      </p:par>
-    </p:tnLst>
-  </p:timing>
 </p:sld>
 </file>
 
@@ -3784,10 +3755,9 @@
           <a:lstStyle/>
           <a:p>
             <a:r>
-              <a:rPr lang="da-DK" dirty="0" smtClean="0"/>
+              <a:rPr lang="da-DK" dirty="0"/>
               <a:t>Sprints</a:t>
             </a:r>
-            <a:endParaRPr lang="da-DK" dirty="0"/>
           </a:p>
         </p:txBody>
       </p:sp>
@@ -4089,43 +4059,38 @@
           <a:lstStyle/>
           <a:p>
             <a:r>
-              <a:rPr lang="da-DK" dirty="0" err="1" smtClean="0"/>
+              <a:rPr lang="da-DK" dirty="0" err="1"/>
               <a:t>Scrummaster</a:t>
             </a:r>
             <a:r>
-              <a:rPr lang="da-DK" dirty="0" smtClean="0"/>
+              <a:rPr lang="da-DK" dirty="0"/>
               <a:t>:</a:t>
             </a:r>
-            <a:endParaRPr lang="da-DK" dirty="0"/>
-          </a:p>
-          <a:p>
-            <a:r>
-              <a:rPr lang="da-DK" dirty="0" smtClean="0"/>
+          </a:p>
+          <a:p>
+            <a:r>
+              <a:rPr lang="da-DK" dirty="0"/>
               <a:t>Sprint 1 – Kasper Rieder</a:t>
-            </a:r>
-            <a:r>
-              <a:rPr lang="da-DK" dirty="0"/>
-              <a:t/>
             </a:r>
             <a:br>
               <a:rPr lang="da-DK" dirty="0"/>
             </a:br>
             <a:r>
-              <a:rPr lang="da-DK" dirty="0" smtClean="0"/>
+              <a:rPr lang="da-DK" dirty="0"/>
               <a:t>Sprint 2 – Pernille Kjeldgaard</a:t>
             </a:r>
             <a:br>
-              <a:rPr lang="da-DK" dirty="0" smtClean="0"/>
+              <a:rPr lang="da-DK" dirty="0"/>
             </a:br>
             <a:r>
-              <a:rPr lang="da-DK" dirty="0" smtClean="0"/>
+              <a:rPr lang="da-DK" dirty="0"/>
               <a:t>Sprint 3 – Mia Konstmann</a:t>
             </a:r>
             <a:br>
-              <a:rPr lang="da-DK" dirty="0" smtClean="0"/>
+              <a:rPr lang="da-DK" dirty="0"/>
             </a:br>
             <a:r>
-              <a:rPr lang="da-DK" dirty="0" smtClean="0"/>
+              <a:rPr lang="da-DK" dirty="0"/>
               <a:t>Sprint 4 – Tenna Rasmussen </a:t>
             </a:r>
           </a:p>
@@ -4141,13 +4106,6 @@
   <p:clrMapOvr>
     <a:masterClrMapping/>
   </p:clrMapOvr>
-  <p:timing>
-    <p:tnLst>
-      <p:par>
-        <p:cTn id="1" dur="indefinite" restart="never" nodeType="tmRoot"/>
-      </p:par>
-    </p:tnLst>
-  </p:timing>
 </p:sld>
 </file>
 
@@ -4184,10 +4142,9 @@
           <a:lstStyle/>
           <a:p>
             <a:r>
-              <a:rPr lang="da-DK" dirty="0" smtClean="0"/>
+              <a:rPr lang="da-DK" dirty="0"/>
               <a:t>Ingeniørfaglige styrker og svagheder – Vi er seje!</a:t>
             </a:r>
-            <a:endParaRPr lang="da-DK" dirty="0"/>
           </a:p>
         </p:txBody>
       </p:sp>
@@ -4207,10 +4164,9 @@
           <a:lstStyle/>
           <a:p>
             <a:r>
-              <a:rPr lang="da-DK" dirty="0" smtClean="0"/>
+              <a:rPr lang="da-DK" dirty="0"/>
               <a:t>Daniels slide</a:t>
             </a:r>
-            <a:endParaRPr lang="da-DK" dirty="0"/>
           </a:p>
         </p:txBody>
       </p:sp>
@@ -4224,13 +4180,6 @@
   <p:clrMapOvr>
     <a:masterClrMapping/>
   </p:clrMapOvr>
-  <p:timing>
-    <p:tnLst>
-      <p:par>
-        <p:cTn id="1" dur="indefinite" restart="never" nodeType="tmRoot"/>
-      </p:par>
-    </p:tnLst>
-  </p:timing>
 </p:sld>
 </file>
 
@@ -4267,14 +4216,13 @@
           <a:lstStyle/>
           <a:p>
             <a:r>
-              <a:rPr lang="da-DK" dirty="0" err="1" smtClean="0"/>
+              <a:rPr lang="da-DK" dirty="0" err="1"/>
               <a:t>Use</a:t>
             </a:r>
             <a:r>
-              <a:rPr lang="da-DK" dirty="0" smtClean="0"/>
+              <a:rPr lang="da-DK" dirty="0"/>
               <a:t> cases og arkitektur</a:t>
             </a:r>
-            <a:endParaRPr lang="da-DK" dirty="0"/>
           </a:p>
         </p:txBody>
       </p:sp>
@@ -4294,10 +4242,9 @@
           <a:lstStyle/>
           <a:p>
             <a:r>
-              <a:rPr lang="da-DK" dirty="0" smtClean="0"/>
+              <a:rPr lang="da-DK" dirty="0"/>
               <a:t>Kaspers slide</a:t>
             </a:r>
-            <a:endParaRPr lang="da-DK" dirty="0"/>
           </a:p>
         </p:txBody>
       </p:sp>
@@ -4363,7 +4310,7 @@
           <a:p>
             <a:pPr algn="ctr"/>
             <a:r>
-              <a:rPr lang="en-US" sz="5400" b="0" cap="none" spc="0" dirty="0" smtClean="0">
+              <a:rPr lang="en-US" sz="5400" b="0" cap="none" spc="0" dirty="0">
                 <a:ln w="0"/>
                 <a:solidFill>
                   <a:schemeClr val="tx1"/>
@@ -4378,19 +4325,6 @@
               </a:rPr>
               <a:t>Use Cases</a:t>
             </a:r>
-            <a:endParaRPr lang="en-US" sz="5400" b="0" cap="none" spc="0" dirty="0">
-              <a:ln w="0"/>
-              <a:solidFill>
-                <a:schemeClr val="tx1"/>
-              </a:solidFill>
-              <a:effectLst>
-                <a:outerShdw blurRad="38100" dist="19050" dir="2700000" algn="tl" rotWithShape="0">
-                  <a:schemeClr val="dk1">
-                    <a:alpha val="40000"/>
-                  </a:schemeClr>
-                </a:outerShdw>
-              </a:effectLst>
-            </a:endParaRPr>
           </a:p>
         </p:txBody>
       </p:sp>
@@ -4471,7 +4405,7 @@
           <a:p>
             <a:pPr algn="ctr"/>
             <a:r>
-              <a:rPr lang="en-US" sz="5400" b="0" cap="none" spc="0" dirty="0" err="1" smtClean="0">
+              <a:rPr lang="en-US" sz="5400" b="0" cap="none" spc="0" dirty="0" err="1">
                 <a:ln w="0"/>
                 <a:solidFill>
                   <a:schemeClr val="tx1"/>
@@ -4674,13 +4608,6 @@
   <p:clrMapOvr>
     <a:masterClrMapping/>
   </p:clrMapOvr>
-  <p:timing>
-    <p:tnLst>
-      <p:par>
-        <p:cTn id="1" dur="indefinite" restart="never" nodeType="tmRoot"/>
-      </p:par>
-    </p:tnLst>
-  </p:timing>
 </p:sld>
 </file>
 
@@ -4717,10 +4644,9 @@
           <a:lstStyle/>
           <a:p>
             <a:r>
-              <a:rPr lang="da-DK" dirty="0" smtClean="0"/>
+              <a:rPr lang="da-DK" dirty="0"/>
               <a:t>Produktpræsentation - Software</a:t>
             </a:r>
-            <a:endParaRPr lang="da-DK" dirty="0"/>
           </a:p>
         </p:txBody>
       </p:sp>
@@ -4740,10 +4666,9 @@
           <a:lstStyle/>
           <a:p>
             <a:r>
-              <a:rPr lang="da-DK" dirty="0" smtClean="0"/>
+              <a:rPr lang="da-DK" dirty="0"/>
               <a:t>Mias slide</a:t>
             </a:r>
-            <a:endParaRPr lang="da-DK" dirty="0"/>
           </a:p>
         </p:txBody>
       </p:sp>
@@ -4757,13 +4682,6 @@
   <p:clrMapOvr>
     <a:masterClrMapping/>
   </p:clrMapOvr>
-  <p:timing>
-    <p:tnLst>
-      <p:par>
-        <p:cTn id="1" dur="indefinite" restart="never" nodeType="tmRoot"/>
-      </p:par>
-    </p:tnLst>
-  </p:timing>
 </p:sld>
 </file>
 
@@ -4800,36 +4718,176 @@
           <a:lstStyle/>
           <a:p>
             <a:r>
-              <a:rPr lang="da-DK" dirty="0" smtClean="0"/>
+              <a:rPr lang="da-DK" dirty="0"/>
               <a:t>Produktpræsentation - Hardware</a:t>
             </a:r>
+          </a:p>
+        </p:txBody>
+      </p:sp>
+      <p:sp>
+        <p:nvSpPr>
+          <p:cNvPr id="6" name="Pladsholder til tekst 5"/>
+          <p:cNvSpPr>
+            <a:spLocks noGrp="1"/>
+          </p:cNvSpPr>
+          <p:nvPr>
+            <p:ph type="body" sz="half" idx="2"/>
+          </p:nvPr>
+        </p:nvSpPr>
+        <p:spPr/>
+        <p:txBody>
+          <a:bodyPr/>
+          <a:lstStyle/>
+          <a:p>
+            <a:r>
+              <a:rPr lang="da-DK" dirty="0"/>
+              <a:t>Pernilles slide</a:t>
+            </a:r>
+          </a:p>
+        </p:txBody>
+      </p:sp>
+      <p:pic>
+        <p:nvPicPr>
+          <p:cNvPr id="2" name="Billede 1"/>
+          <p:cNvPicPr>
+            <a:picLocks noChangeAspect="1"/>
+          </p:cNvPicPr>
+          <p:nvPr/>
+        </p:nvPicPr>
+        <p:blipFill>
+          <a:blip r:embed="rId2"/>
+          <a:stretch>
+            <a:fillRect/>
+          </a:stretch>
+        </p:blipFill>
+        <p:spPr>
+          <a:xfrm>
+            <a:off x="340541" y="396734"/>
+            <a:ext cx="6368532" cy="4776399"/>
+          </a:xfrm>
+          <a:prstGeom prst="rect">
+            <a:avLst/>
+          </a:prstGeom>
+        </p:spPr>
+      </p:pic>
+      <p:sp>
+        <p:nvSpPr>
+          <p:cNvPr id="3" name="Tekstfelt 2"/>
+          <p:cNvSpPr txBox="1"/>
+          <p:nvPr/>
+        </p:nvSpPr>
+        <p:spPr>
+          <a:xfrm>
+            <a:off x="7490315" y="449919"/>
+            <a:ext cx="3939685" cy="1846659"/>
+          </a:xfrm>
+          <a:prstGeom prst="rect">
+            <a:avLst/>
+          </a:prstGeom>
+          <a:noFill/>
+        </p:spPr>
+        <p:txBody>
+          <a:bodyPr wrap="square" rtlCol="0">
+            <a:spAutoFit/>
+          </a:bodyPr>
+          <a:lstStyle/>
+          <a:p>
+            <a:pPr marL="285750" indent="-285750">
+              <a:buFontTx/>
+              <a:buChar char="-"/>
+            </a:pPr>
+            <a:r>
+              <a:rPr lang="da-DK" sz="2400" dirty="0"/>
+              <a:t>Mekanik</a:t>
+            </a:r>
+          </a:p>
+          <a:p>
+            <a:pPr marL="285750" indent="-285750">
+              <a:buFontTx/>
+              <a:buChar char="-"/>
+            </a:pPr>
+            <a:r>
+              <a:rPr lang="da-DK" sz="2400" dirty="0"/>
+              <a:t>Tre DC-motorer, to H-broer</a:t>
+            </a:r>
+          </a:p>
+          <a:p>
+            <a:pPr marL="285750" indent="-285750">
+              <a:buFontTx/>
+              <a:buChar char="-"/>
+            </a:pPr>
+            <a:r>
+              <a:rPr lang="da-DK" sz="2400" dirty="0"/>
+              <a:t>Rotationsdetektor</a:t>
+            </a:r>
+          </a:p>
+          <a:p>
+            <a:pPr marL="285750" indent="-285750">
+              <a:buFontTx/>
+              <a:buChar char="-"/>
+            </a:pPr>
+            <a:r>
+              <a:rPr lang="da-DK" sz="2400" dirty="0"/>
+              <a:t>Rotationsbegrænsning</a:t>
+            </a:r>
+          </a:p>
+          <a:p>
+            <a:pPr marL="285750" indent="-285750">
+              <a:buFontTx/>
+              <a:buChar char="-"/>
+            </a:pPr>
             <a:endParaRPr lang="da-DK" dirty="0"/>
           </a:p>
         </p:txBody>
       </p:sp>
-      <p:sp>
-        <p:nvSpPr>
-          <p:cNvPr id="6" name="Pladsholder til tekst 5"/>
-          <p:cNvSpPr>
-            <a:spLocks noGrp="1"/>
-          </p:cNvSpPr>
-          <p:nvPr>
-            <p:ph type="body" sz="half" idx="2"/>
-          </p:nvPr>
-        </p:nvSpPr>
-        <p:spPr/>
-        <p:txBody>
-          <a:bodyPr/>
-          <a:lstStyle/>
-          <a:p>
-            <a:r>
-              <a:rPr lang="da-DK" dirty="0" smtClean="0"/>
-              <a:t>Pernilles slide</a:t>
-            </a:r>
-            <a:endParaRPr lang="da-DK" dirty="0"/>
-          </a:p>
-        </p:txBody>
-      </p:sp>
+      <p:pic>
+        <p:nvPicPr>
+          <p:cNvPr id="5" name="Billede 4"/>
+          <p:cNvPicPr>
+            <a:picLocks noChangeAspect="1"/>
+          </p:cNvPicPr>
+          <p:nvPr/>
+        </p:nvPicPr>
+        <p:blipFill>
+          <a:blip r:embed="rId3"/>
+          <a:stretch>
+            <a:fillRect/>
+          </a:stretch>
+        </p:blipFill>
+        <p:spPr>
+          <a:xfrm>
+            <a:off x="8476665" y="2296578"/>
+            <a:ext cx="3321059" cy="2490794"/>
+          </a:xfrm>
+          <a:prstGeom prst="rect">
+            <a:avLst/>
+          </a:prstGeom>
+        </p:spPr>
+      </p:pic>
+      <p:pic>
+        <p:nvPicPr>
+          <p:cNvPr id="8" name="Billede 7"/>
+          <p:cNvPicPr>
+            <a:picLocks noChangeAspect="1"/>
+          </p:cNvPicPr>
+          <p:nvPr/>
+        </p:nvPicPr>
+        <p:blipFill>
+          <a:blip r:embed="rId4"/>
+          <a:stretch>
+            <a:fillRect/>
+          </a:stretch>
+        </p:blipFill>
+        <p:spPr>
+          <a:xfrm>
+            <a:off x="6809700" y="4157681"/>
+            <a:ext cx="2650457" cy="2521972"/>
+          </a:xfrm>
+          <a:prstGeom prst="rect">
+            <a:avLst/>
+          </a:prstGeom>
+        </p:spPr>
+      </p:pic>
     </p:spTree>
     <p:extLst>
       <p:ext uri="{BB962C8B-B14F-4D97-AF65-F5344CB8AC3E}">
@@ -4840,13 +4898,6 @@
   <p:clrMapOvr>
     <a:masterClrMapping/>
   </p:clrMapOvr>
-  <p:timing>
-    <p:tnLst>
-      <p:par>
-        <p:cTn id="1" dur="indefinite" restart="never" nodeType="tmRoot"/>
-      </p:par>
-    </p:tnLst>
-  </p:timing>
 </p:sld>
 </file>
 
